--- a/caption.pptx
+++ b/caption.pptx
@@ -6,7 +6,7 @@
     <p:sldMasterId id="2147483688" r:id="rId2"/>
   </p:sldMasterIdLst>
   <p:handoutMasterIdLst>
-    <p:handoutMasterId r:id="rId20"/>
+    <p:handoutMasterId r:id="rId21"/>
   </p:handoutMasterIdLst>
   <p:sldIdLst>
     <p:sldId id="305" r:id="rId3"/>
@@ -20,13 +20,13 @@
     <p:sldId id="291" r:id="rId11"/>
     <p:sldId id="292" r:id="rId12"/>
     <p:sldId id="293" r:id="rId13"/>
-    <p:sldId id="294" r:id="rId14"/>
-    <p:sldId id="295" r:id="rId15"/>
+    <p:sldId id="309" r:id="rId14"/>
+    <p:sldId id="310" r:id="rId15"/>
     <p:sldId id="303" r:id="rId16"/>
     <p:sldId id="296" r:id="rId17"/>
     <p:sldId id="268" r:id="rId18"/>
     <p:sldId id="283" r:id="rId19"/>
-    <p:sldId id="308" r:id="rId27"/>
+    <p:sldId id="308" r:id="rId20"/>
   </p:sldIdLst>
   <p:sldSz cx="9144000" cy="6858000" type="screen4x3"/>
   <p:notesSz cx="6858000" cy="9144000"/>
@@ -139,7 +139,7 @@
 <file path=ppt/revisionInfo.xml><?xml version="1.0" encoding="utf-8"?>
 <p1510:revInfo xmlns:a="http://schemas.openxmlformats.org/drawingml/2006/main" xmlns:r="http://schemas.openxmlformats.org/officeDocument/2006/relationships" xmlns:p1510="http://schemas.microsoft.com/office/powerpoint/2015/10/main">
   <p1510:revLst>
-    <p1510:client id="{79E5B231-42B9-4C11-85FB-6F1C289AC7C9}" v="29" dt="2020-12-06T01:30:50.949"/>
+    <p1510:client id="{7567DA86-DF62-43C9-B7E4-FBB4E601EFB3}" v="22" dt="2021-05-30T01:37:41.973"/>
   </p1510:revLst>
 </p1510:revInfo>
 </file>
@@ -559,6 +559,339 @@
           </pc:sldLayoutMkLst>
           <pc:spChg chg="mod">
             <ac:chgData name="성광 교회" userId="cbd53a764bfb2840" providerId="LiveId" clId="{84DF3606-F30F-45EC-89A1-E20CC48D3759}" dt="2020-11-01T01:32:53.566" v="396" actId="120"/>
+            <ac:spMkLst>
+              <pc:docMk/>
+              <pc:sldMasterMk cId="2435403545" sldId="2147483651"/>
+              <pc:sldLayoutMk cId="3658685100" sldId="2147483663"/>
+              <ac:spMk id="3" creationId="{E995AC3C-A642-42DA-85B8-EEBBCDF1369F}"/>
+            </ac:spMkLst>
+          </pc:spChg>
+        </pc:sldLayoutChg>
+      </pc:sldMasterChg>
+    </pc:docChg>
+  </pc:docChgLst>
+  <pc:docChgLst>
+    <pc:chgData name="성광 교회" userId="cbd53a764bfb2840" providerId="LiveId" clId="{7567DA86-DF62-43C9-B7E4-FBB4E601EFB3}"/>
+    <pc:docChg chg="undo custSel addSld delSld modSld modMainMaster">
+      <pc:chgData name="성광 교회" userId="cbd53a764bfb2840" providerId="LiveId" clId="{7567DA86-DF62-43C9-B7E4-FBB4E601EFB3}" dt="2021-05-30T05:10:46.098" v="341" actId="20577"/>
+      <pc:docMkLst>
+        <pc:docMk/>
+      </pc:docMkLst>
+      <pc:sldChg chg="modSp mod">
+        <pc:chgData name="성광 교회" userId="cbd53a764bfb2840" providerId="LiveId" clId="{7567DA86-DF62-43C9-B7E4-FBB4E601EFB3}" dt="2021-05-30T01:37:57.114" v="317" actId="27636"/>
+        <pc:sldMkLst>
+          <pc:docMk/>
+          <pc:sldMk cId="3933793636" sldId="268"/>
+        </pc:sldMkLst>
+        <pc:spChg chg="mod">
+          <ac:chgData name="성광 교회" userId="cbd53a764bfb2840" providerId="LiveId" clId="{7567DA86-DF62-43C9-B7E4-FBB4E601EFB3}" dt="2021-05-30T01:37:57.114" v="317" actId="27636"/>
+          <ac:spMkLst>
+            <pc:docMk/>
+            <pc:sldMk cId="3933793636" sldId="268"/>
+            <ac:spMk id="2" creationId="{924B6491-B942-4864-9E41-3CB5749507D4}"/>
+          </ac:spMkLst>
+        </pc:spChg>
+      </pc:sldChg>
+      <pc:sldChg chg="modSp mod">
+        <pc:chgData name="성광 교회" userId="cbd53a764bfb2840" providerId="LiveId" clId="{7567DA86-DF62-43C9-B7E4-FBB4E601EFB3}" dt="2021-05-30T01:38:01.032" v="321" actId="27636"/>
+        <pc:sldMkLst>
+          <pc:docMk/>
+          <pc:sldMk cId="3330217447" sldId="283"/>
+        </pc:sldMkLst>
+        <pc:spChg chg="mod">
+          <ac:chgData name="성광 교회" userId="cbd53a764bfb2840" providerId="LiveId" clId="{7567DA86-DF62-43C9-B7E4-FBB4E601EFB3}" dt="2021-05-30T01:38:01.032" v="321" actId="27636"/>
+          <ac:spMkLst>
+            <pc:docMk/>
+            <pc:sldMk cId="3330217447" sldId="283"/>
+            <ac:spMk id="2" creationId="{F5162A09-739D-4D69-8364-08FC64EED7E4}"/>
+          </ac:spMkLst>
+        </pc:spChg>
+      </pc:sldChg>
+      <pc:sldChg chg="modSp mod">
+        <pc:chgData name="성광 교회" userId="cbd53a764bfb2840" providerId="LiveId" clId="{7567DA86-DF62-43C9-B7E4-FBB4E601EFB3}" dt="2021-05-30T01:37:06.450" v="284" actId="27636"/>
+        <pc:sldMkLst>
+          <pc:docMk/>
+          <pc:sldMk cId="2033826709" sldId="284"/>
+        </pc:sldMkLst>
+        <pc:spChg chg="mod">
+          <ac:chgData name="성광 교회" userId="cbd53a764bfb2840" providerId="LiveId" clId="{7567DA86-DF62-43C9-B7E4-FBB4E601EFB3}" dt="2021-05-30T01:37:06.450" v="284" actId="27636"/>
+          <ac:spMkLst>
+            <pc:docMk/>
+            <pc:sldMk cId="2033826709" sldId="284"/>
+            <ac:spMk id="2" creationId="{924B6491-B942-4864-9E41-3CB5749507D4}"/>
+          </ac:spMkLst>
+        </pc:spChg>
+      </pc:sldChg>
+      <pc:sldChg chg="modSp mod">
+        <pc:chgData name="성광 교회" userId="cbd53a764bfb2840" providerId="LiveId" clId="{7567DA86-DF62-43C9-B7E4-FBB4E601EFB3}" dt="2021-05-30T01:37:11.114" v="288" actId="27636"/>
+        <pc:sldMkLst>
+          <pc:docMk/>
+          <pc:sldMk cId="75699617" sldId="288"/>
+        </pc:sldMkLst>
+        <pc:spChg chg="mod">
+          <ac:chgData name="성광 교회" userId="cbd53a764bfb2840" providerId="LiveId" clId="{7567DA86-DF62-43C9-B7E4-FBB4E601EFB3}" dt="2021-05-30T01:37:11.114" v="288" actId="27636"/>
+          <ac:spMkLst>
+            <pc:docMk/>
+            <pc:sldMk cId="75699617" sldId="288"/>
+            <ac:spMk id="2" creationId="{C55F5694-1BB1-46CE-AF04-50746B94B134}"/>
+          </ac:spMkLst>
+        </pc:spChg>
+      </pc:sldChg>
+      <pc:sldChg chg="modSp mod">
+        <pc:chgData name="성광 교회" userId="cbd53a764bfb2840" providerId="LiveId" clId="{7567DA86-DF62-43C9-B7E4-FBB4E601EFB3}" dt="2021-05-30T01:37:15.009" v="292" actId="27636"/>
+        <pc:sldMkLst>
+          <pc:docMk/>
+          <pc:sldMk cId="6136223" sldId="289"/>
+        </pc:sldMkLst>
+        <pc:spChg chg="mod">
+          <ac:chgData name="성광 교회" userId="cbd53a764bfb2840" providerId="LiveId" clId="{7567DA86-DF62-43C9-B7E4-FBB4E601EFB3}" dt="2021-05-30T01:37:15.009" v="292" actId="27636"/>
+          <ac:spMkLst>
+            <pc:docMk/>
+            <pc:sldMk cId="6136223" sldId="289"/>
+            <ac:spMk id="2" creationId="{264ACACA-6A84-44F4-AB1E-477DFD3BF190}"/>
+          </ac:spMkLst>
+        </pc:spChg>
+      </pc:sldChg>
+      <pc:sldChg chg="modSp mod">
+        <pc:chgData name="성광 교회" userId="cbd53a764bfb2840" providerId="LiveId" clId="{7567DA86-DF62-43C9-B7E4-FBB4E601EFB3}" dt="2021-05-30T01:37:19.169" v="296" actId="27636"/>
+        <pc:sldMkLst>
+          <pc:docMk/>
+          <pc:sldMk cId="2842148607" sldId="290"/>
+        </pc:sldMkLst>
+        <pc:spChg chg="mod">
+          <ac:chgData name="성광 교회" userId="cbd53a764bfb2840" providerId="LiveId" clId="{7567DA86-DF62-43C9-B7E4-FBB4E601EFB3}" dt="2021-05-30T01:37:19.169" v="296" actId="27636"/>
+          <ac:spMkLst>
+            <pc:docMk/>
+            <pc:sldMk cId="2842148607" sldId="290"/>
+            <ac:spMk id="2" creationId="{980FE6B4-99F1-44F5-AF6D-9D86CF49D84E}"/>
+          </ac:spMkLst>
+        </pc:spChg>
+      </pc:sldChg>
+      <pc:sldChg chg="modSp mod">
+        <pc:chgData name="성광 교회" userId="cbd53a764bfb2840" providerId="LiveId" clId="{7567DA86-DF62-43C9-B7E4-FBB4E601EFB3}" dt="2021-05-30T01:37:20.873" v="298" actId="27636"/>
+        <pc:sldMkLst>
+          <pc:docMk/>
+          <pc:sldMk cId="3645545145" sldId="291"/>
+        </pc:sldMkLst>
+        <pc:spChg chg="mod">
+          <ac:chgData name="성광 교회" userId="cbd53a764bfb2840" providerId="LiveId" clId="{7567DA86-DF62-43C9-B7E4-FBB4E601EFB3}" dt="2021-05-30T01:37:20.873" v="298" actId="27636"/>
+          <ac:spMkLst>
+            <pc:docMk/>
+            <pc:sldMk cId="3645545145" sldId="291"/>
+            <ac:spMk id="2" creationId="{B2BC3A99-ED60-44A1-B611-316E87979C4B}"/>
+          </ac:spMkLst>
+        </pc:spChg>
+      </pc:sldChg>
+      <pc:sldChg chg="modSp mod">
+        <pc:chgData name="성광 교회" userId="cbd53a764bfb2840" providerId="LiveId" clId="{7567DA86-DF62-43C9-B7E4-FBB4E601EFB3}" dt="2021-05-30T01:35:27.996" v="84" actId="20577"/>
+        <pc:sldMkLst>
+          <pc:docMk/>
+          <pc:sldMk cId="3133315123" sldId="292"/>
+        </pc:sldMkLst>
+        <pc:spChg chg="mod">
+          <ac:chgData name="성광 교회" userId="cbd53a764bfb2840" providerId="LiveId" clId="{7567DA86-DF62-43C9-B7E4-FBB4E601EFB3}" dt="2021-05-30T01:35:27.996" v="84" actId="20577"/>
+          <ac:spMkLst>
+            <pc:docMk/>
+            <pc:sldMk cId="3133315123" sldId="292"/>
+            <ac:spMk id="2" creationId="{E4F10768-9069-4C1E-817D-15FE7109ABA6}"/>
+          </ac:spMkLst>
+        </pc:spChg>
+      </pc:sldChg>
+      <pc:sldChg chg="modSp mod">
+        <pc:chgData name="성광 교회" userId="cbd53a764bfb2840" providerId="LiveId" clId="{7567DA86-DF62-43C9-B7E4-FBB4E601EFB3}" dt="2021-05-30T01:37:25.066" v="301" actId="27636"/>
+        <pc:sldMkLst>
+          <pc:docMk/>
+          <pc:sldMk cId="184537040" sldId="293"/>
+        </pc:sldMkLst>
+        <pc:spChg chg="mod">
+          <ac:chgData name="성광 교회" userId="cbd53a764bfb2840" providerId="LiveId" clId="{7567DA86-DF62-43C9-B7E4-FBB4E601EFB3}" dt="2021-05-30T01:37:25.066" v="301" actId="27636"/>
+          <ac:spMkLst>
+            <pc:docMk/>
+            <pc:sldMk cId="184537040" sldId="293"/>
+            <ac:spMk id="2" creationId="{00FE92A9-DF5C-47E6-9768-A9DEAF015AC8}"/>
+          </ac:spMkLst>
+        </pc:spChg>
+      </pc:sldChg>
+      <pc:sldChg chg="modSp del mod">
+        <pc:chgData name="성광 교회" userId="cbd53a764bfb2840" providerId="LiveId" clId="{7567DA86-DF62-43C9-B7E4-FBB4E601EFB3}" dt="2021-05-30T01:37:49.548" v="309" actId="47"/>
+        <pc:sldMkLst>
+          <pc:docMk/>
+          <pc:sldMk cId="1810675034" sldId="294"/>
+        </pc:sldMkLst>
+        <pc:spChg chg="mod">
+          <ac:chgData name="성광 교회" userId="cbd53a764bfb2840" providerId="LiveId" clId="{7567DA86-DF62-43C9-B7E4-FBB4E601EFB3}" dt="2021-05-30T01:35:46.113" v="169"/>
+          <ac:spMkLst>
+            <pc:docMk/>
+            <pc:sldMk cId="1810675034" sldId="294"/>
+            <ac:spMk id="2" creationId="{C8AB262B-11FA-4922-AD9C-1A2B02E86199}"/>
+          </ac:spMkLst>
+        </pc:spChg>
+      </pc:sldChg>
+      <pc:sldChg chg="modSp del mod">
+        <pc:chgData name="성광 교회" userId="cbd53a764bfb2840" providerId="LiveId" clId="{7567DA86-DF62-43C9-B7E4-FBB4E601EFB3}" dt="2021-05-30T01:37:49.548" v="309" actId="47"/>
+        <pc:sldMkLst>
+          <pc:docMk/>
+          <pc:sldMk cId="2298706695" sldId="295"/>
+        </pc:sldMkLst>
+        <pc:spChg chg="mod">
+          <ac:chgData name="성광 교회" userId="cbd53a764bfb2840" providerId="LiveId" clId="{7567DA86-DF62-43C9-B7E4-FBB4E601EFB3}" dt="2021-05-30T01:35:58.333" v="218"/>
+          <ac:spMkLst>
+            <pc:docMk/>
+            <pc:sldMk cId="2298706695" sldId="295"/>
+            <ac:spMk id="2" creationId="{33E00931-5EE3-425F-A766-C8900F0C8C90}"/>
+          </ac:spMkLst>
+        </pc:spChg>
+      </pc:sldChg>
+      <pc:sldChg chg="modSp mod">
+        <pc:chgData name="성광 교회" userId="cbd53a764bfb2840" providerId="LiveId" clId="{7567DA86-DF62-43C9-B7E4-FBB4E601EFB3}" dt="2021-05-30T01:37:55.256" v="315" actId="27636"/>
+        <pc:sldMkLst>
+          <pc:docMk/>
+          <pc:sldMk cId="1512909927" sldId="296"/>
+        </pc:sldMkLst>
+        <pc:spChg chg="mod">
+          <ac:chgData name="성광 교회" userId="cbd53a764bfb2840" providerId="LiveId" clId="{7567DA86-DF62-43C9-B7E4-FBB4E601EFB3}" dt="2021-05-30T01:37:55.256" v="315" actId="27636"/>
+          <ac:spMkLst>
+            <pc:docMk/>
+            <pc:sldMk cId="1512909927" sldId="296"/>
+            <ac:spMk id="2" creationId="{5D3F789D-42AF-4B3C-98FB-54C495A9C456}"/>
+          </ac:spMkLst>
+        </pc:spChg>
+      </pc:sldChg>
+      <pc:sldChg chg="modSp mod">
+        <pc:chgData name="성광 교회" userId="cbd53a764bfb2840" providerId="LiveId" clId="{7567DA86-DF62-43C9-B7E4-FBB4E601EFB3}" dt="2021-05-30T01:37:13.393" v="290" actId="27636"/>
+        <pc:sldMkLst>
+          <pc:docMk/>
+          <pc:sldMk cId="1798717185" sldId="300"/>
+        </pc:sldMkLst>
+        <pc:spChg chg="mod">
+          <ac:chgData name="성광 교회" userId="cbd53a764bfb2840" providerId="LiveId" clId="{7567DA86-DF62-43C9-B7E4-FBB4E601EFB3}" dt="2021-05-30T01:37:13.393" v="290" actId="27636"/>
+          <ac:spMkLst>
+            <pc:docMk/>
+            <pc:sldMk cId="1798717185" sldId="300"/>
+            <ac:spMk id="2" creationId="{C55F5694-1BB1-46CE-AF04-50746B94B134}"/>
+          </ac:spMkLst>
+        </pc:spChg>
+      </pc:sldChg>
+      <pc:sldChg chg="modSp mod">
+        <pc:chgData name="성광 교회" userId="cbd53a764bfb2840" providerId="LiveId" clId="{7567DA86-DF62-43C9-B7E4-FBB4E601EFB3}" dt="2021-05-30T01:37:53.216" v="313" actId="27636"/>
+        <pc:sldMkLst>
+          <pc:docMk/>
+          <pc:sldMk cId="1054013262" sldId="303"/>
+        </pc:sldMkLst>
+        <pc:spChg chg="mod">
+          <ac:chgData name="성광 교회" userId="cbd53a764bfb2840" providerId="LiveId" clId="{7567DA86-DF62-43C9-B7E4-FBB4E601EFB3}" dt="2021-05-30T01:37:53.216" v="313" actId="27636"/>
+          <ac:spMkLst>
+            <pc:docMk/>
+            <pc:sldMk cId="1054013262" sldId="303"/>
+            <ac:spMk id="2" creationId="{33E00931-5EE3-425F-A766-C8900F0C8C90}"/>
+          </ac:spMkLst>
+        </pc:spChg>
+      </pc:sldChg>
+      <pc:sldChg chg="modSp mod">
+        <pc:chgData name="성광 교회" userId="cbd53a764bfb2840" providerId="LiveId" clId="{7567DA86-DF62-43C9-B7E4-FBB4E601EFB3}" dt="2021-05-30T01:37:00.305" v="280" actId="27636"/>
+        <pc:sldMkLst>
+          <pc:docMk/>
+          <pc:sldMk cId="449703629" sldId="305"/>
+        </pc:sldMkLst>
+        <pc:spChg chg="mod">
+          <ac:chgData name="성광 교회" userId="cbd53a764bfb2840" providerId="LiveId" clId="{7567DA86-DF62-43C9-B7E4-FBB4E601EFB3}" dt="2021-05-30T01:37:00.305" v="280" actId="27636"/>
+          <ac:spMkLst>
+            <pc:docMk/>
+            <pc:sldMk cId="449703629" sldId="305"/>
+            <ac:spMk id="2" creationId="{924B6491-B942-4864-9E41-3CB5749507D4}"/>
+          </ac:spMkLst>
+        </pc:spChg>
+      </pc:sldChg>
+      <pc:sldChg chg="modSp mod">
+        <pc:chgData name="성광 교회" userId="cbd53a764bfb2840" providerId="LiveId" clId="{7567DA86-DF62-43C9-B7E4-FBB4E601EFB3}" dt="2021-05-30T05:10:46.098" v="341" actId="20577"/>
+        <pc:sldMkLst>
+          <pc:docMk/>
+          <pc:sldMk cId="3779209408" sldId="306"/>
+        </pc:sldMkLst>
+        <pc:spChg chg="mod">
+          <ac:chgData name="성광 교회" userId="cbd53a764bfb2840" providerId="LiveId" clId="{7567DA86-DF62-43C9-B7E4-FBB4E601EFB3}" dt="2021-05-30T05:10:46.098" v="341" actId="20577"/>
+          <ac:spMkLst>
+            <pc:docMk/>
+            <pc:sldMk cId="3779209408" sldId="306"/>
+            <ac:spMk id="2" creationId="{924B6491-B942-4864-9E41-3CB5749507D4}"/>
+          </ac:spMkLst>
+        </pc:spChg>
+      </pc:sldChg>
+      <pc:sldChg chg="modSp mod">
+        <pc:chgData name="성광 교회" userId="cbd53a764bfb2840" providerId="LiveId" clId="{7567DA86-DF62-43C9-B7E4-FBB4E601EFB3}" dt="2021-05-30T01:37:17.079" v="294" actId="27636"/>
+        <pc:sldMkLst>
+          <pc:docMk/>
+          <pc:sldMk cId="2232229105" sldId="307"/>
+        </pc:sldMkLst>
+        <pc:spChg chg="mod">
+          <ac:chgData name="성광 교회" userId="cbd53a764bfb2840" providerId="LiveId" clId="{7567DA86-DF62-43C9-B7E4-FBB4E601EFB3}" dt="2021-05-30T01:37:17.079" v="294" actId="27636"/>
+          <ac:spMkLst>
+            <pc:docMk/>
+            <pc:sldMk cId="2232229105" sldId="307"/>
+            <ac:spMk id="2" creationId="{264ACACA-6A84-44F4-AB1E-477DFD3BF190}"/>
+          </ac:spMkLst>
+        </pc:spChg>
+      </pc:sldChg>
+      <pc:sldChg chg="modSp mod">
+        <pc:chgData name="성광 교회" userId="cbd53a764bfb2840" providerId="LiveId" clId="{7567DA86-DF62-43C9-B7E4-FBB4E601EFB3}" dt="2021-05-30T01:38:02.715" v="323" actId="27636"/>
+        <pc:sldMkLst>
+          <pc:docMk/>
+          <pc:sldMk cId="2630437963" sldId="308"/>
+        </pc:sldMkLst>
+        <pc:spChg chg="mod">
+          <ac:chgData name="성광 교회" userId="cbd53a764bfb2840" providerId="LiveId" clId="{7567DA86-DF62-43C9-B7E4-FBB4E601EFB3}" dt="2021-05-30T01:38:02.715" v="323" actId="27636"/>
+          <ac:spMkLst>
+            <pc:docMk/>
+            <pc:sldMk cId="2630437963" sldId="308"/>
+            <ac:spMk id="2" creationId="{924B6491-B942-4864-9E41-3CB5749507D4}"/>
+          </ac:spMkLst>
+        </pc:spChg>
+      </pc:sldChg>
+      <pc:sldChg chg="modSp add mod">
+        <pc:chgData name="성광 교회" userId="cbd53a764bfb2840" providerId="LiveId" clId="{7567DA86-DF62-43C9-B7E4-FBB4E601EFB3}" dt="2021-05-30T01:37:40.167" v="303"/>
+        <pc:sldMkLst>
+          <pc:docMk/>
+          <pc:sldMk cId="443117757" sldId="309"/>
+        </pc:sldMkLst>
+        <pc:spChg chg="mod">
+          <ac:chgData name="성광 교회" userId="cbd53a764bfb2840" providerId="LiveId" clId="{7567DA86-DF62-43C9-B7E4-FBB4E601EFB3}" dt="2021-05-30T01:37:40.167" v="303"/>
+          <ac:spMkLst>
+            <pc:docMk/>
+            <pc:sldMk cId="443117757" sldId="309"/>
+            <ac:spMk id="2" creationId="{00FE92A9-DF5C-47E6-9768-A9DEAF015AC8}"/>
+          </ac:spMkLst>
+        </pc:spChg>
+      </pc:sldChg>
+      <pc:sldChg chg="modSp add mod">
+        <pc:chgData name="성광 교회" userId="cbd53a764bfb2840" providerId="LiveId" clId="{7567DA86-DF62-43C9-B7E4-FBB4E601EFB3}" dt="2021-05-30T01:37:47.520" v="308" actId="27636"/>
+        <pc:sldMkLst>
+          <pc:docMk/>
+          <pc:sldMk cId="4060411953" sldId="310"/>
+        </pc:sldMkLst>
+        <pc:spChg chg="mod">
+          <ac:chgData name="성광 교회" userId="cbd53a764bfb2840" providerId="LiveId" clId="{7567DA86-DF62-43C9-B7E4-FBB4E601EFB3}" dt="2021-05-30T01:37:47.520" v="308" actId="27636"/>
+          <ac:spMkLst>
+            <pc:docMk/>
+            <pc:sldMk cId="4060411953" sldId="310"/>
+            <ac:spMk id="2" creationId="{00FE92A9-DF5C-47E6-9768-A9DEAF015AC8}"/>
+          </ac:spMkLst>
+        </pc:spChg>
+      </pc:sldChg>
+      <pc:sldMasterChg chg="modSldLayout">
+        <pc:chgData name="성광 교회" userId="cbd53a764bfb2840" providerId="LiveId" clId="{7567DA86-DF62-43C9-B7E4-FBB4E601EFB3}" dt="2021-05-30T01:36:49.494" v="263" actId="14100"/>
+        <pc:sldMasterMkLst>
+          <pc:docMk/>
+          <pc:sldMasterMk cId="2435403545" sldId="2147483651"/>
+        </pc:sldMasterMkLst>
+        <pc:sldLayoutChg chg="modSp mod">
+          <pc:chgData name="성광 교회" userId="cbd53a764bfb2840" providerId="LiveId" clId="{7567DA86-DF62-43C9-B7E4-FBB4E601EFB3}" dt="2021-05-30T01:36:49.494" v="263" actId="14100"/>
+          <pc:sldLayoutMkLst>
+            <pc:docMk/>
+            <pc:sldMasterMk cId="2435403545" sldId="2147483651"/>
+            <pc:sldLayoutMk cId="3658685100" sldId="2147483663"/>
+          </pc:sldLayoutMkLst>
+          <pc:spChg chg="mod">
+            <ac:chgData name="성광 교회" userId="cbd53a764bfb2840" providerId="LiveId" clId="{7567DA86-DF62-43C9-B7E4-FBB4E601EFB3}" dt="2021-05-30T01:36:49.494" v="263" actId="14100"/>
             <ac:spMkLst>
               <pc:docMk/>
               <pc:sldMasterMk cId="2435403545" sldId="2147483651"/>
@@ -1157,7 +1490,7 @@
           <a:p>
             <a:fld id="{CEBB1FA2-82EA-459B-8606-06E857DA57AA}" type="datetimeFigureOut">
               <a:rPr lang="ko-KR" altLang="en-US" smtClean="0"/>
-              <a:t>2020-12-06</a:t>
+              <a:t>2021-05-30</a:t>
             </a:fld>
             <a:endParaRPr lang="ko-KR" altLang="en-US"/>
           </a:p>
@@ -1383,7 +1716,7 @@
           <a:p>
             <a:fld id="{C764DE79-268F-4C1A-8933-263129D2AF90}" type="datetimeFigureOut">
               <a:rPr lang="en-US" dirty="0"/>
-              <a:t>12/6/2020</a:t>
+              <a:t>5/30/2021</a:t>
             </a:fld>
             <a:endParaRPr lang="en-US" dirty="0"/>
           </a:p>
@@ -1553,7 +1886,7 @@
           <a:p>
             <a:fld id="{C764DE79-268F-4C1A-8933-263129D2AF90}" type="datetimeFigureOut">
               <a:rPr lang="en-US" dirty="0"/>
-              <a:t>12/6/2020</a:t>
+              <a:t>5/30/2021</a:t>
             </a:fld>
             <a:endParaRPr lang="en-US" dirty="0"/>
           </a:p>
@@ -1733,7 +2066,7 @@
           <a:p>
             <a:fld id="{C764DE79-268F-4C1A-8933-263129D2AF90}" type="datetimeFigureOut">
               <a:rPr lang="en-US" dirty="0"/>
-              <a:t>12/6/2020</a:t>
+              <a:t>5/30/2021</a:t>
             </a:fld>
             <a:endParaRPr lang="en-US" dirty="0"/>
           </a:p>
@@ -1837,8 +2170,8 @@
         </p:nvSpPr>
         <p:spPr>
           <a:xfrm>
-            <a:off x="0" y="5486400"/>
-            <a:ext cx="9144000" cy="1207698"/>
+            <a:off x="0" y="6081622"/>
+            <a:ext cx="9144000" cy="612475"/>
           </a:xfrm>
         </p:spPr>
         <p:txBody>
@@ -1964,7 +2297,7 @@
           <a:p>
             <a:fld id="{A73190B8-346B-4372-9AFC-F7A0D044465E}" type="datetimeFigureOut">
               <a:rPr lang="ko-KR" altLang="en-US" smtClean="0"/>
-              <a:t>2020-12-06</a:t>
+              <a:t>2021-05-30</a:t>
             </a:fld>
             <a:endParaRPr lang="ko-KR" altLang="en-US"/>
           </a:p>
@@ -2138,7 +2471,7 @@
           <a:p>
             <a:fld id="{A73190B8-346B-4372-9AFC-F7A0D044465E}" type="datetimeFigureOut">
               <a:rPr lang="ko-KR" altLang="en-US" smtClean="0"/>
-              <a:t>2020-12-06</a:t>
+              <a:t>2021-05-30</a:t>
             </a:fld>
             <a:endParaRPr lang="ko-KR" altLang="en-US"/>
           </a:p>
@@ -2312,7 +2645,7 @@
           <a:p>
             <a:fld id="{A73190B8-346B-4372-9AFC-F7A0D044465E}" type="datetimeFigureOut">
               <a:rPr lang="ko-KR" altLang="en-US" smtClean="0"/>
-              <a:t>2020-12-06</a:t>
+              <a:t>2021-05-30</a:t>
             </a:fld>
             <a:endParaRPr lang="ko-KR" altLang="en-US"/>
           </a:p>
@@ -2486,7 +2819,7 @@
           <a:p>
             <a:fld id="{A73190B8-346B-4372-9AFC-F7A0D044465E}" type="datetimeFigureOut">
               <a:rPr lang="ko-KR" altLang="en-US" smtClean="0"/>
-              <a:t>2020-12-06</a:t>
+              <a:t>2021-05-30</a:t>
             </a:fld>
             <a:endParaRPr lang="ko-KR" altLang="en-US"/>
           </a:p>
@@ -2660,7 +2993,7 @@
           <a:p>
             <a:fld id="{A73190B8-346B-4372-9AFC-F7A0D044465E}" type="datetimeFigureOut">
               <a:rPr lang="ko-KR" altLang="en-US" smtClean="0"/>
-              <a:t>2020-12-06</a:t>
+              <a:t>2021-05-30</a:t>
             </a:fld>
             <a:endParaRPr lang="ko-KR" altLang="en-US"/>
           </a:p>
@@ -2834,7 +3167,7 @@
           <a:p>
             <a:fld id="{A73190B8-346B-4372-9AFC-F7A0D044465E}" type="datetimeFigureOut">
               <a:rPr lang="ko-KR" altLang="en-US" smtClean="0"/>
-              <a:t>2020-12-06</a:t>
+              <a:t>2021-05-30</a:t>
             </a:fld>
             <a:endParaRPr lang="ko-KR" altLang="en-US"/>
           </a:p>
@@ -3008,7 +3341,7 @@
           <a:p>
             <a:fld id="{A73190B8-346B-4372-9AFC-F7A0D044465E}" type="datetimeFigureOut">
               <a:rPr lang="ko-KR" altLang="en-US" smtClean="0"/>
-              <a:t>2020-12-06</a:t>
+              <a:t>2021-05-30</a:t>
             </a:fld>
             <a:endParaRPr lang="ko-KR" altLang="en-US"/>
           </a:p>
@@ -3206,7 +3539,7 @@
           <a:p>
             <a:fld id="{C764DE79-268F-4C1A-8933-263129D2AF90}" type="datetimeFigureOut">
               <a:rPr lang="en-US" dirty="0"/>
-              <a:t>12/6/2020</a:t>
+              <a:t>5/30/2021</a:t>
             </a:fld>
             <a:endParaRPr lang="en-US" dirty="0"/>
           </a:p>
@@ -3352,7 +3685,7 @@
           <a:p>
             <a:fld id="{A73190B8-346B-4372-9AFC-F7A0D044465E}" type="datetimeFigureOut">
               <a:rPr lang="ko-KR" altLang="en-US" smtClean="0"/>
-              <a:t>2020-12-06</a:t>
+              <a:t>2021-05-30</a:t>
             </a:fld>
             <a:endParaRPr lang="ko-KR" altLang="en-US"/>
           </a:p>
@@ -3526,7 +3859,7 @@
           <a:p>
             <a:fld id="{A73190B8-346B-4372-9AFC-F7A0D044465E}" type="datetimeFigureOut">
               <a:rPr lang="ko-KR" altLang="en-US" smtClean="0"/>
-              <a:t>2020-12-06</a:t>
+              <a:t>2021-05-30</a:t>
             </a:fld>
             <a:endParaRPr lang="ko-KR" altLang="en-US"/>
           </a:p>
@@ -3700,7 +4033,7 @@
           <a:p>
             <a:fld id="{A73190B8-346B-4372-9AFC-F7A0D044465E}" type="datetimeFigureOut">
               <a:rPr lang="ko-KR" altLang="en-US" smtClean="0"/>
-              <a:t>2020-12-06</a:t>
+              <a:t>2021-05-30</a:t>
             </a:fld>
             <a:endParaRPr lang="ko-KR" altLang="en-US"/>
           </a:p>
@@ -3874,7 +4207,7 @@
           <a:p>
             <a:fld id="{A73190B8-346B-4372-9AFC-F7A0D044465E}" type="datetimeFigureOut">
               <a:rPr lang="ko-KR" altLang="en-US" smtClean="0"/>
-              <a:t>2020-12-06</a:t>
+              <a:t>2021-05-30</a:t>
             </a:fld>
             <a:endParaRPr lang="ko-KR" altLang="en-US"/>
           </a:p>
@@ -4048,7 +4381,7 @@
           <a:p>
             <a:fld id="{A73190B8-346B-4372-9AFC-F7A0D044465E}" type="datetimeFigureOut">
               <a:rPr lang="ko-KR" altLang="en-US" smtClean="0"/>
-              <a:t>2020-12-06</a:t>
+              <a:t>2021-05-30</a:t>
             </a:fld>
             <a:endParaRPr lang="ko-KR" altLang="en-US"/>
           </a:p>
@@ -4222,7 +4555,7 @@
           <a:p>
             <a:fld id="{A73190B8-346B-4372-9AFC-F7A0D044465E}" type="datetimeFigureOut">
               <a:rPr lang="ko-KR" altLang="en-US" smtClean="0"/>
-              <a:t>2020-12-06</a:t>
+              <a:t>2021-05-30</a:t>
             </a:fld>
             <a:endParaRPr lang="ko-KR" altLang="en-US"/>
           </a:p>
@@ -4396,7 +4729,7 @@
           <a:p>
             <a:fld id="{A73190B8-346B-4372-9AFC-F7A0D044465E}" type="datetimeFigureOut">
               <a:rPr lang="ko-KR" altLang="en-US" smtClean="0"/>
-              <a:t>2020-12-06</a:t>
+              <a:t>2021-05-30</a:t>
             </a:fld>
             <a:endParaRPr lang="ko-KR" altLang="en-US"/>
           </a:p>
@@ -4570,7 +4903,7 @@
           <a:p>
             <a:fld id="{A73190B8-346B-4372-9AFC-F7A0D044465E}" type="datetimeFigureOut">
               <a:rPr lang="ko-KR" altLang="en-US" smtClean="0"/>
-              <a:t>2020-12-06</a:t>
+              <a:t>2021-05-30</a:t>
             </a:fld>
             <a:endParaRPr lang="ko-KR" altLang="en-US"/>
           </a:p>
@@ -4744,7 +5077,7 @@
           <a:p>
             <a:fld id="{A73190B8-346B-4372-9AFC-F7A0D044465E}" type="datetimeFigureOut">
               <a:rPr lang="ko-KR" altLang="en-US" smtClean="0"/>
-              <a:t>2020-12-06</a:t>
+              <a:t>2021-05-30</a:t>
             </a:fld>
             <a:endParaRPr lang="ko-KR" altLang="en-US"/>
           </a:p>
@@ -4918,7 +5251,7 @@
           <a:p>
             <a:fld id="{A73190B8-346B-4372-9AFC-F7A0D044465E}" type="datetimeFigureOut">
               <a:rPr lang="ko-KR" altLang="en-US" smtClean="0"/>
-              <a:t>2020-12-06</a:t>
+              <a:t>2021-05-30</a:t>
             </a:fld>
             <a:endParaRPr lang="ko-KR" altLang="en-US"/>
           </a:p>
@@ -5190,7 +5523,7 @@
           <a:p>
             <a:fld id="{C764DE79-268F-4C1A-8933-263129D2AF90}" type="datetimeFigureOut">
               <a:rPr lang="en-US" dirty="0"/>
-              <a:t>12/6/2020</a:t>
+              <a:t>5/30/2021</a:t>
             </a:fld>
             <a:endParaRPr lang="en-US" dirty="0"/>
           </a:p>
@@ -5336,7 +5669,7 @@
           <a:p>
             <a:fld id="{A73190B8-346B-4372-9AFC-F7A0D044465E}" type="datetimeFigureOut">
               <a:rPr lang="ko-KR" altLang="en-US" smtClean="0"/>
-              <a:t>2020-12-06</a:t>
+              <a:t>2021-05-30</a:t>
             </a:fld>
             <a:endParaRPr lang="ko-KR" altLang="en-US"/>
           </a:p>
@@ -5510,7 +5843,7 @@
           <a:p>
             <a:fld id="{A73190B8-346B-4372-9AFC-F7A0D044465E}" type="datetimeFigureOut">
               <a:rPr lang="ko-KR" altLang="en-US" smtClean="0"/>
-              <a:t>2020-12-06</a:t>
+              <a:t>2021-05-30</a:t>
             </a:fld>
             <a:endParaRPr lang="ko-KR" altLang="en-US"/>
           </a:p>
@@ -5684,7 +6017,7 @@
           <a:p>
             <a:fld id="{A73190B8-346B-4372-9AFC-F7A0D044465E}" type="datetimeFigureOut">
               <a:rPr lang="ko-KR" altLang="en-US" smtClean="0"/>
-              <a:t>2020-12-06</a:t>
+              <a:t>2021-05-30</a:t>
             </a:fld>
             <a:endParaRPr lang="ko-KR" altLang="en-US"/>
           </a:p>
@@ -5858,7 +6191,7 @@
           <a:p>
             <a:fld id="{A73190B8-346B-4372-9AFC-F7A0D044465E}" type="datetimeFigureOut">
               <a:rPr lang="ko-KR" altLang="en-US" smtClean="0"/>
-              <a:t>2020-12-06</a:t>
+              <a:t>2021-05-30</a:t>
             </a:fld>
             <a:endParaRPr lang="ko-KR" altLang="en-US"/>
           </a:p>
@@ -6032,7 +6365,7 @@
           <a:p>
             <a:fld id="{A73190B8-346B-4372-9AFC-F7A0D044465E}" type="datetimeFigureOut">
               <a:rPr lang="ko-KR" altLang="en-US" smtClean="0"/>
-              <a:t>2020-12-06</a:t>
+              <a:t>2021-05-30</a:t>
             </a:fld>
             <a:endParaRPr lang="ko-KR" altLang="en-US"/>
           </a:p>
@@ -6206,7 +6539,7 @@
           <a:p>
             <a:fld id="{A73190B8-346B-4372-9AFC-F7A0D044465E}" type="datetimeFigureOut">
               <a:rPr lang="ko-KR" altLang="en-US" smtClean="0"/>
-              <a:t>2020-12-06</a:t>
+              <a:t>2021-05-30</a:t>
             </a:fld>
             <a:endParaRPr lang="ko-KR" altLang="en-US"/>
           </a:p>
@@ -6445,7 +6778,7 @@
           <a:p>
             <a:fld id="{6D715D21-7472-4DA1-9632-F7B9231C243B}" type="datetimeFigureOut">
               <a:rPr lang="ko-KR" altLang="en-US" smtClean="0"/>
-              <a:t>2020-12-06</a:t>
+              <a:t>2021-05-30</a:t>
             </a:fld>
             <a:endParaRPr lang="ko-KR" altLang="en-US"/>
           </a:p>
@@ -6651,7 +6984,7 @@
           <a:p>
             <a:fld id="{6D715D21-7472-4DA1-9632-F7B9231C243B}" type="datetimeFigureOut">
               <a:rPr lang="ko-KR" altLang="en-US" smtClean="0"/>
-              <a:t>2020-12-06</a:t>
+              <a:t>2021-05-30</a:t>
             </a:fld>
             <a:endParaRPr lang="ko-KR" altLang="en-US"/>
           </a:p>
@@ -6929,7 +7262,7 @@
           <a:p>
             <a:fld id="{6D715D21-7472-4DA1-9632-F7B9231C243B}" type="datetimeFigureOut">
               <a:rPr lang="ko-KR" altLang="en-US" smtClean="0"/>
-              <a:t>2020-12-06</a:t>
+              <a:t>2021-05-30</a:t>
             </a:fld>
             <a:endParaRPr lang="ko-KR" altLang="en-US"/>
           </a:p>
@@ -7202,7 +7535,7 @@
           <a:p>
             <a:fld id="{6D715D21-7472-4DA1-9632-F7B9231C243B}" type="datetimeFigureOut">
               <a:rPr lang="ko-KR" altLang="en-US" smtClean="0"/>
-              <a:t>2020-12-06</a:t>
+              <a:t>2021-05-30</a:t>
             </a:fld>
             <a:endParaRPr lang="ko-KR" altLang="en-US"/>
           </a:p>
@@ -7446,7 +7779,7 @@
           <a:p>
             <a:fld id="{C764DE79-268F-4C1A-8933-263129D2AF90}" type="datetimeFigureOut">
               <a:rPr lang="en-US" dirty="0"/>
-              <a:t>12/6/2020</a:t>
+              <a:t>5/30/2021</a:t>
             </a:fld>
             <a:endParaRPr lang="en-US" dirty="0"/>
           </a:p>
@@ -7849,7 +8182,7 @@
           <a:p>
             <a:fld id="{6D715D21-7472-4DA1-9632-F7B9231C243B}" type="datetimeFigureOut">
               <a:rPr lang="ko-KR" altLang="en-US" smtClean="0"/>
-              <a:t>2020-12-06</a:t>
+              <a:t>2021-05-30</a:t>
             </a:fld>
             <a:endParaRPr lang="ko-KR" altLang="en-US"/>
           </a:p>
@@ -7998,7 +8331,7 @@
           <a:p>
             <a:fld id="{6D715D21-7472-4DA1-9632-F7B9231C243B}" type="datetimeFigureOut">
               <a:rPr lang="ko-KR" altLang="en-US" smtClean="0"/>
-              <a:t>2020-12-06</a:t>
+              <a:t>2021-05-30</a:t>
             </a:fld>
             <a:endParaRPr lang="ko-KR" altLang="en-US"/>
           </a:p>
@@ -8111,7 +8444,7 @@
           <a:p>
             <a:fld id="{6D715D21-7472-4DA1-9632-F7B9231C243B}" type="datetimeFigureOut">
               <a:rPr lang="ko-KR" altLang="en-US" smtClean="0"/>
-              <a:t>2020-12-06</a:t>
+              <a:t>2021-05-30</a:t>
             </a:fld>
             <a:endParaRPr lang="ko-KR" altLang="en-US"/>
           </a:p>
@@ -8425,7 +8758,7 @@
           <a:p>
             <a:fld id="{6D715D21-7472-4DA1-9632-F7B9231C243B}" type="datetimeFigureOut">
               <a:rPr lang="ko-KR" altLang="en-US" smtClean="0"/>
-              <a:t>2020-12-06</a:t>
+              <a:t>2021-05-30</a:t>
             </a:fld>
             <a:endParaRPr lang="ko-KR" altLang="en-US"/>
           </a:p>
@@ -8716,7 +9049,7 @@
           <a:p>
             <a:fld id="{6D715D21-7472-4DA1-9632-F7B9231C243B}" type="datetimeFigureOut">
               <a:rPr lang="ko-KR" altLang="en-US" smtClean="0"/>
-              <a:t>2020-12-06</a:t>
+              <a:t>2021-05-30</a:t>
             </a:fld>
             <a:endParaRPr lang="ko-KR" altLang="en-US"/>
           </a:p>
@@ -8922,7 +9255,7 @@
           <a:p>
             <a:fld id="{6D715D21-7472-4DA1-9632-F7B9231C243B}" type="datetimeFigureOut">
               <a:rPr lang="ko-KR" altLang="en-US" smtClean="0"/>
-              <a:t>2020-12-06</a:t>
+              <a:t>2021-05-30</a:t>
             </a:fld>
             <a:endParaRPr lang="ko-KR" altLang="en-US"/>
           </a:p>
@@ -9133,7 +9466,7 @@
           <a:p>
             <a:fld id="{6D715D21-7472-4DA1-9632-F7B9231C243B}" type="datetimeFigureOut">
               <a:rPr lang="ko-KR" altLang="en-US" smtClean="0"/>
-              <a:t>2020-12-06</a:t>
+              <a:t>2021-05-30</a:t>
             </a:fld>
             <a:endParaRPr lang="ko-KR" altLang="en-US"/>
           </a:p>
@@ -9512,7 +9845,7 @@
           <a:p>
             <a:fld id="{C764DE79-268F-4C1A-8933-263129D2AF90}" type="datetimeFigureOut">
               <a:rPr lang="en-US" dirty="0"/>
-              <a:t>12/6/2020</a:t>
+              <a:t>5/30/2021</a:t>
             </a:fld>
             <a:endParaRPr lang="en-US" dirty="0"/>
           </a:p>
@@ -9630,7 +9963,7 @@
           <a:p>
             <a:fld id="{C764DE79-268F-4C1A-8933-263129D2AF90}" type="datetimeFigureOut">
               <a:rPr lang="en-US" dirty="0"/>
-              <a:t>12/6/2020</a:t>
+              <a:t>5/30/2021</a:t>
             </a:fld>
             <a:endParaRPr lang="en-US" dirty="0"/>
           </a:p>
@@ -9725,7 +10058,7 @@
           <a:p>
             <a:fld id="{C764DE79-268F-4C1A-8933-263129D2AF90}" type="datetimeFigureOut">
               <a:rPr lang="en-US" dirty="0"/>
-              <a:t>12/6/2020</a:t>
+              <a:t>5/30/2021</a:t>
             </a:fld>
             <a:endParaRPr lang="en-US" dirty="0"/>
           </a:p>
@@ -10002,7 +10335,7 @@
           <a:p>
             <a:fld id="{C764DE79-268F-4C1A-8933-263129D2AF90}" type="datetimeFigureOut">
               <a:rPr lang="en-US" dirty="0"/>
-              <a:t>12/6/2020</a:t>
+              <a:t>5/30/2021</a:t>
             </a:fld>
             <a:endParaRPr lang="en-US" dirty="0"/>
           </a:p>
@@ -10259,7 +10592,7 @@
           <a:p>
             <a:fld id="{C764DE79-268F-4C1A-8933-263129D2AF90}" type="datetimeFigureOut">
               <a:rPr lang="en-US" dirty="0"/>
-              <a:t>12/6/2020</a:t>
+              <a:t>5/30/2021</a:t>
             </a:fld>
             <a:endParaRPr lang="en-US" dirty="0"/>
           </a:p>
@@ -10472,7 +10805,7 @@
           <a:p>
             <a:fld id="{C764DE79-268F-4C1A-8933-263129D2AF90}" type="datetimeFigureOut">
               <a:rPr lang="en-US" dirty="0"/>
-              <a:t>12/6/2020</a:t>
+              <a:t>5/30/2021</a:t>
             </a:fld>
             <a:endParaRPr lang="en-US" dirty="0"/>
           </a:p>
@@ -10989,7 +11322,7 @@
           <a:p>
             <a:fld id="{6D715D21-7472-4DA1-9632-F7B9231C243B}" type="datetimeFigureOut">
               <a:rPr lang="ko-KR" altLang="en-US" smtClean="0"/>
-              <a:t>2020-12-06</a:t>
+              <a:t>2021-05-30</a:t>
             </a:fld>
             <a:endParaRPr lang="ko-KR" altLang="en-US"/>
           </a:p>
@@ -11425,12 +11758,9 @@
         <p:spPr/>
         <p:txBody>
           <a:bodyPr>
-            <a:normAutofit fontScale="92500" lnSpcReduction="20000"/>
+            <a:normAutofit fontScale="92500" lnSpcReduction="10000"/>
           </a:bodyPr>
           <a:lstStyle/>
-          <a:p>
-            <a:endParaRPr lang="en-US" altLang="ko-KR" dirty="0"/>
-          </a:p>
           <a:p>
             <a:r>
               <a:rPr lang="en-US" altLang="ko-KR" dirty="0"/>
@@ -11508,7 +11838,12 @@
             <p:ph idx="1"/>
           </p:nvPr>
         </p:nvSpPr>
-        <p:spPr/>
+        <p:spPr>
+          <a:xfrm>
+            <a:off x="0" y="5486400"/>
+            <a:ext cx="9144000" cy="1207698"/>
+          </a:xfrm>
+        </p:spPr>
         <p:txBody>
           <a:bodyPr>
             <a:normAutofit fontScale="92500" lnSpcReduction="20000"/>
@@ -11532,11 +11867,11 @@
             </a:r>
             <a:r>
               <a:rPr lang="ko-KR" altLang="en-US" dirty="0"/>
-              <a:t> 딤후</a:t>
+              <a:t> 창 </a:t>
             </a:r>
             <a:r>
               <a:rPr lang="en-US" altLang="ko-KR" dirty="0"/>
-              <a:t>1:1-8</a:t>
+              <a:t>21:1-12</a:t>
             </a:r>
             <a:endParaRPr lang="ko-KR" altLang="en-US" dirty="0"/>
           </a:p>
@@ -11591,12 +11926,9 @@
         <p:spPr/>
         <p:txBody>
           <a:bodyPr>
-            <a:normAutofit fontScale="92500" lnSpcReduction="20000"/>
+            <a:normAutofit fontScale="92500" lnSpcReduction="10000"/>
           </a:bodyPr>
           <a:lstStyle/>
-          <a:p>
-            <a:endParaRPr lang="en-US" altLang="ko-KR" dirty="0"/>
-          </a:p>
           <a:p>
             <a:r>
               <a:rPr lang="en-US" altLang="ko-KR" dirty="0"/>
@@ -11608,11 +11940,15 @@
             </a:r>
             <a:r>
               <a:rPr lang="en-US" altLang="ko-KR" dirty="0"/>
-              <a:t>) 123</a:t>
+              <a:t>) 348</a:t>
             </a:r>
             <a:r>
               <a:rPr lang="ko-KR" altLang="en-US" dirty="0"/>
-              <a:t>장 저 들 밖에 한밤중에</a:t>
+              <a:t>장 마위들과 </a:t>
+            </a:r>
+            <a:r>
+              <a:rPr lang="ko-KR" altLang="en-US" dirty="0" err="1"/>
+              <a:t>싸울지라</a:t>
             </a:r>
             <a:endParaRPr lang="en-US" altLang="ko-KR" dirty="0" err="1"/>
           </a:p>
@@ -11653,7 +11989,7 @@
           <p:cNvPr id="2" name="내용 개체 틀 1">
             <a:extLst>
               <a:ext uri="{FF2B5EF4-FFF2-40B4-BE49-F238E27FC236}">
-                <a16:creationId xmlns:a16="http://schemas.microsoft.com/office/drawing/2014/main" id="{C8AB262B-11FA-4922-AD9C-1A2B02E86199}"/>
+                <a16:creationId xmlns:a16="http://schemas.microsoft.com/office/drawing/2014/main" id="{00FE92A9-DF5C-47E6-9768-A9DEAF015AC8}"/>
               </a:ext>
             </a:extLst>
           </p:cNvPr>
@@ -11664,20 +12000,12 @@
             <p:ph idx="1"/>
           </p:nvPr>
         </p:nvSpPr>
-        <p:spPr>
-          <a:xfrm>
-            <a:off x="8709" y="5486400"/>
-            <a:ext cx="9144000" cy="1207698"/>
-          </a:xfrm>
-        </p:spPr>
+        <p:spPr/>
         <p:txBody>
           <a:bodyPr>
-            <a:normAutofit fontScale="92500" lnSpcReduction="20000"/>
+            <a:normAutofit fontScale="92500" lnSpcReduction="10000"/>
           </a:bodyPr>
           <a:lstStyle/>
-          <a:p>
-            <a:endParaRPr lang="en-US" altLang="ko-KR" dirty="0"/>
-          </a:p>
           <a:p>
             <a:r>
               <a:rPr lang="en-US" altLang="ko-KR" dirty="0"/>
@@ -11693,7 +12021,7 @@
             </a:r>
             <a:r>
               <a:rPr lang="ko-KR" altLang="en-US" dirty="0"/>
-              <a:t>복음과 함께 고난을 받으라</a:t>
+              <a:t>돌보시며 행하시는 하나님</a:t>
             </a:r>
             <a:endParaRPr lang="en-US" altLang="ko-KR" dirty="0"/>
           </a:p>
@@ -11702,7 +12030,7 @@
     </p:spTree>
     <p:extLst>
       <p:ext uri="{BB962C8B-B14F-4D97-AF65-F5344CB8AC3E}">
-        <p14:creationId xmlns:p14="http://schemas.microsoft.com/office/powerpoint/2010/main" val="1810675034"/>
+        <p14:creationId xmlns:p14="http://schemas.microsoft.com/office/powerpoint/2010/main" val="443117757"/>
       </p:ext>
     </p:extLst>
   </p:cSld>
@@ -11734,7 +12062,7 @@
           <p:cNvPr id="2" name="내용 개체 틀 1">
             <a:extLst>
               <a:ext uri="{FF2B5EF4-FFF2-40B4-BE49-F238E27FC236}">
-                <a16:creationId xmlns:a16="http://schemas.microsoft.com/office/drawing/2014/main" id="{33E00931-5EE3-425F-A766-C8900F0C8C90}"/>
+                <a16:creationId xmlns:a16="http://schemas.microsoft.com/office/drawing/2014/main" id="{00FE92A9-DF5C-47E6-9768-A9DEAF015AC8}"/>
               </a:ext>
             </a:extLst>
           </p:cNvPr>
@@ -11748,12 +12076,9 @@
         <p:spPr/>
         <p:txBody>
           <a:bodyPr>
-            <a:normAutofit fontScale="92500" lnSpcReduction="20000"/>
+            <a:normAutofit fontScale="85000" lnSpcReduction="10000"/>
           </a:bodyPr>
           <a:lstStyle/>
-          <a:p>
-            <a:endParaRPr lang="en-US" altLang="ko-KR" dirty="0"/>
-          </a:p>
           <a:p>
             <a:r>
               <a:rPr lang="en-US" altLang="ko-KR" dirty="0"/>
@@ -11765,11 +12090,11 @@
             </a:r>
             <a:r>
               <a:rPr lang="en-US" altLang="ko-KR" dirty="0"/>
-              <a:t>) 311</a:t>
+              <a:t>) 350</a:t>
             </a:r>
             <a:r>
               <a:rPr lang="ko-KR" altLang="en-US" dirty="0"/>
-              <a:t>장 내 너를 위하여</a:t>
+              <a:t>장 우리들이 싸울 것은 육체 아니요</a:t>
             </a:r>
           </a:p>
         </p:txBody>
@@ -11777,7 +12102,7 @@
     </p:spTree>
     <p:extLst>
       <p:ext uri="{BB962C8B-B14F-4D97-AF65-F5344CB8AC3E}">
-        <p14:creationId xmlns:p14="http://schemas.microsoft.com/office/powerpoint/2010/main" val="2298706695"/>
+        <p14:creationId xmlns:p14="http://schemas.microsoft.com/office/powerpoint/2010/main" val="4060411953"/>
       </p:ext>
     </p:extLst>
   </p:cSld>
@@ -11823,12 +12148,9 @@
         <p:spPr/>
         <p:txBody>
           <a:bodyPr>
-            <a:normAutofit fontScale="92500" lnSpcReduction="20000"/>
+            <a:normAutofit fontScale="92500" lnSpcReduction="10000"/>
           </a:bodyPr>
           <a:lstStyle/>
-          <a:p>
-            <a:endParaRPr lang="en-US" altLang="ko-KR" dirty="0"/>
-          </a:p>
           <a:p>
             <a:r>
               <a:rPr lang="ko-KR" altLang="en-US" dirty="0"/>
@@ -11886,12 +12208,9 @@
         <p:spPr/>
         <p:txBody>
           <a:bodyPr>
-            <a:normAutofit fontScale="92500" lnSpcReduction="20000"/>
+            <a:normAutofit fontScale="92500" lnSpcReduction="10000"/>
           </a:bodyPr>
           <a:lstStyle/>
-          <a:p>
-            <a:endParaRPr lang="en-US" altLang="ko-KR" dirty="0"/>
-          </a:p>
           <a:p>
             <a:r>
               <a:rPr lang="ko-KR" altLang="en-US" dirty="0"/>
@@ -11949,12 +12268,9 @@
         <p:spPr/>
         <p:txBody>
           <a:bodyPr>
-            <a:normAutofit fontScale="92500" lnSpcReduction="20000"/>
+            <a:normAutofit fontScale="92500" lnSpcReduction="10000"/>
           </a:bodyPr>
           <a:lstStyle/>
-          <a:p>
-            <a:endParaRPr lang="en-US" altLang="ko-KR" dirty="0"/>
-          </a:p>
           <a:p>
             <a:r>
               <a:rPr lang="en-US" altLang="ko-KR" dirty="0"/>
@@ -11966,11 +12282,11 @@
             </a:r>
             <a:r>
               <a:rPr lang="en-US" altLang="ko-KR" dirty="0"/>
-              <a:t>) 635</a:t>
+              <a:t>) 595</a:t>
             </a:r>
             <a:r>
               <a:rPr lang="ko-KR" altLang="en-US" dirty="0"/>
-              <a:t>장 하늘에 계신 아버지</a:t>
+              <a:t>장 나 맡은 본문은</a:t>
             </a:r>
           </a:p>
         </p:txBody>
@@ -12024,12 +12340,9 @@
         <p:spPr/>
         <p:txBody>
           <a:bodyPr>
-            <a:normAutofit fontScale="92500" lnSpcReduction="20000"/>
+            <a:normAutofit fontScale="92500" lnSpcReduction="10000"/>
           </a:bodyPr>
           <a:lstStyle/>
-          <a:p>
-            <a:endParaRPr lang="en-US" altLang="ko-KR" dirty="0"/>
-          </a:p>
           <a:p>
             <a:r>
               <a:rPr lang="ko-KR" altLang="en-US" dirty="0"/>
@@ -12052,7 +12365,7 @@
 </file>
 
 <file path=ppt/slides/slide18.xml><?xml version="1.0" encoding="utf-8"?>
-<p:sld xmlns:a="http://schemas.openxmlformats.org/drawingml/2006/main" xmlns:p="http://schemas.openxmlformats.org/presentationml/2006/main" xmlns:r="http://schemas.openxmlformats.org/officeDocument/2006/relationships">
+<p:sld xmlns:a="http://schemas.openxmlformats.org/drawingml/2006/main" xmlns:r="http://schemas.openxmlformats.org/officeDocument/2006/relationships" xmlns:p="http://schemas.openxmlformats.org/presentationml/2006/main">
   <p:cSld>
     <p:spTree>
       <p:nvGrpSpPr>
@@ -12060,46 +12373,65 @@
         <p:cNvGrpSpPr/>
         <p:nvPr/>
       </p:nvGrpSpPr>
-      <p:grpSpPr/>
-      <p:sp>
-        <p:nvSpPr>
-          <p:cNvPr id="2" name="Title 1"/>
-          <p:cNvSpPr>
-            <a:spLocks noGrp="1"/>
-          </p:cNvSpPr>
-          <p:nvPr>
-            <p:ph type="ctrTitle"/>
+      <p:grpSpPr>
+        <a:xfrm>
+          <a:off x="0" y="0"/>
+          <a:ext cx="0" cy="0"/>
+          <a:chOff x="0" y="0"/>
+          <a:chExt cx="0" cy="0"/>
+        </a:xfrm>
+      </p:grpSpPr>
+      <p:sp>
+        <p:nvSpPr>
+          <p:cNvPr id="2" name="내용 개체 틀 1">
+            <a:extLst>
+              <a:ext uri="{FF2B5EF4-FFF2-40B4-BE49-F238E27FC236}">
+                <a16:creationId xmlns:a16="http://schemas.microsoft.com/office/drawing/2014/main" id="{924B6491-B942-4864-9E41-3CB5749507D4}"/>
+              </a:ext>
+            </a:extLst>
+          </p:cNvPr>
+          <p:cNvSpPr>
+            <a:spLocks noGrp="1"/>
+          </p:cNvSpPr>
+          <p:nvPr>
+            <p:ph idx="1"/>
           </p:nvPr>
         </p:nvSpPr>
         <p:spPr/>
         <p:txBody>
-          <a:bodyPr/>
-          <a:lstStyle/>
-          <a:p/>
-        </p:txBody>
-      </p:sp>
-      <p:sp>
-        <p:nvSpPr>
-          <p:cNvPr id="3" name="Subtitle 2"/>
-          <p:cNvSpPr>
-            <a:spLocks noGrp="1"/>
-          </p:cNvSpPr>
-          <p:nvPr>
-            <p:ph type="subTitle" idx="1"/>
-          </p:nvPr>
-        </p:nvSpPr>
-        <p:spPr/>
-        <p:txBody>
-          <a:bodyPr/>
-          <a:lstStyle/>
-          <a:p>
-            <a:r>
-              <a:t>python-pptx was here!</a:t>
-            </a:r>
+          <a:bodyPr>
+            <a:normAutofit fontScale="92500" lnSpcReduction="10000"/>
+          </a:bodyPr>
+          <a:lstStyle/>
+          <a:p>
+            <a:r>
+              <a:rPr lang="ko-KR" altLang="en-US"/>
+              <a:t>주님이 </a:t>
+            </a:r>
+            <a:r>
+              <a:rPr lang="ko-KR" altLang="en-US" dirty="0"/>
+              <a:t>함께 하십니다</a:t>
+            </a:r>
+            <a:r>
+              <a:rPr lang="en-US" altLang="ko-KR" dirty="0"/>
+              <a:t>. </a:t>
+            </a:r>
+            <a:r>
+              <a:rPr lang="en-US" altLang="ko-KR" dirty="0">
+                <a:sym typeface="Wingdings" panose="05000000000000000000" pitchFamily="2" charset="2"/>
+              </a:rPr>
+              <a:t></a:t>
+            </a:r>
+            <a:endParaRPr lang="ko-KR" altLang="en-US" dirty="0"/>
           </a:p>
         </p:txBody>
       </p:sp>
     </p:spTree>
+    <p:extLst>
+      <p:ext uri="{BB962C8B-B14F-4D97-AF65-F5344CB8AC3E}">
+        <p14:creationId xmlns:p14="http://schemas.microsoft.com/office/powerpoint/2010/main" val="2630437963"/>
+      </p:ext>
+    </p:extLst>
   </p:cSld>
   <p:clrMapOvr>
     <a:masterClrMapping/>
@@ -12143,28 +12475,21 @@
         <p:spPr/>
         <p:txBody>
           <a:bodyPr>
-            <a:normAutofit fontScale="92500" lnSpcReduction="20000"/>
+            <a:normAutofit fontScale="92500" lnSpcReduction="10000"/>
           </a:bodyPr>
           <a:lstStyle/>
-          <a:p>
-            <a:endParaRPr lang="en-US" altLang="ko-KR" dirty="0"/>
-          </a:p>
           <a:p>
             <a:r>
               <a:rPr lang="en-US" altLang="ko-KR" dirty="0"/>
               <a:t> </a:t>
             </a:r>
             <a:r>
-              <a:rPr lang="ko-KR" altLang="en-US" dirty="0" err="1"/>
-              <a:t>준비찬양</a:t>
-            </a:r>
-            <a:r>
               <a:rPr lang="ko-KR" altLang="en-US" dirty="0"/>
-              <a:t> </a:t>
+              <a:t>준비찬송 </a:t>
             </a:r>
             <a:r>
               <a:rPr lang="en-US" altLang="ko-KR" dirty="0"/>
-              <a:t>384</a:t>
+              <a:t>70</a:t>
             </a:r>
             <a:r>
               <a:rPr lang="ko-KR" altLang="en-US" dirty="0"/>
@@ -12222,12 +12547,9 @@
         <p:spPr/>
         <p:txBody>
           <a:bodyPr>
-            <a:normAutofit fontScale="92500" lnSpcReduction="20000"/>
+            <a:normAutofit fontScale="92500" lnSpcReduction="10000"/>
           </a:bodyPr>
           <a:lstStyle/>
-          <a:p>
-            <a:endParaRPr lang="en-US" altLang="ko-KR" dirty="0"/>
-          </a:p>
           <a:p>
             <a:r>
               <a:rPr lang="en-US" altLang="ko-KR" dirty="0"/>
@@ -12289,12 +12611,9 @@
         <p:spPr/>
         <p:txBody>
           <a:bodyPr>
-            <a:normAutofit fontScale="92500" lnSpcReduction="20000"/>
+            <a:normAutofit fontScale="92500" lnSpcReduction="10000"/>
           </a:bodyPr>
           <a:lstStyle/>
-          <a:p>
-            <a:endParaRPr lang="en-US" altLang="ko-KR" dirty="0"/>
-          </a:p>
           <a:p>
             <a:r>
               <a:rPr lang="en-US" altLang="ko-KR" dirty="0"/>
@@ -12310,7 +12629,7 @@
             </a:r>
             <a:r>
               <a:rPr lang="ko-KR" altLang="en-US" dirty="0"/>
-              <a:t>장</a:t>
+              <a:t>장 만복의</a:t>
             </a:r>
           </a:p>
         </p:txBody>
@@ -12364,12 +12683,9 @@
         <p:spPr/>
         <p:txBody>
           <a:bodyPr>
-            <a:normAutofit fontScale="92500" lnSpcReduction="20000"/>
+            <a:normAutofit fontScale="92500" lnSpcReduction="10000"/>
           </a:bodyPr>
           <a:lstStyle/>
-          <a:p>
-            <a:endParaRPr lang="en-US" altLang="ko-KR" dirty="0"/>
-          </a:p>
           <a:p>
             <a:r>
               <a:rPr lang="en-US" altLang="ko-KR" dirty="0"/>
@@ -12381,11 +12697,11 @@
             </a:r>
             <a:r>
               <a:rPr lang="en-US" altLang="ko-KR" dirty="0"/>
-              <a:t>) 115</a:t>
+              <a:t>) 160</a:t>
             </a:r>
             <a:r>
               <a:rPr lang="ko-KR" altLang="en-US" dirty="0"/>
-              <a:t>장 기쁘다 구주 오셨네</a:t>
+              <a:t>장  무덤에 머물러</a:t>
             </a:r>
           </a:p>
         </p:txBody>
@@ -12439,12 +12755,9 @@
         <p:spPr/>
         <p:txBody>
           <a:bodyPr>
-            <a:normAutofit fontScale="92500" lnSpcReduction="20000"/>
+            <a:normAutofit fontScale="92500" lnSpcReduction="10000"/>
           </a:bodyPr>
           <a:lstStyle/>
-          <a:p>
-            <a:endParaRPr lang="en-US" altLang="ko-KR" dirty="0"/>
-          </a:p>
           <a:p>
             <a:r>
               <a:rPr lang="en-US" altLang="ko-KR" dirty="0"/>
@@ -12456,17 +12769,20 @@
             </a:r>
             <a:r>
               <a:rPr lang="en-US" altLang="ko-KR" dirty="0"/>
-              <a:t>) 116. </a:t>
+              <a:t>) 11. </a:t>
             </a:r>
             <a:r>
               <a:rPr lang="ko-KR" altLang="en-US" dirty="0"/>
-              <a:t>구주 강림</a:t>
+              <a:t>시편 </a:t>
             </a:r>
             <a:r>
               <a:rPr lang="en-US" altLang="ko-KR" dirty="0"/>
-              <a:t>(2)</a:t>
-            </a:r>
-            <a:endParaRPr lang="ko-KR" altLang="en-US" dirty="0"/>
+              <a:t>17</a:t>
+            </a:r>
+            <a:r>
+              <a:rPr lang="ko-KR" altLang="en-US" dirty="0"/>
+              <a:t>편</a:t>
+            </a:r>
           </a:p>
         </p:txBody>
       </p:sp>
@@ -12519,12 +12835,9 @@
         <p:spPr/>
         <p:txBody>
           <a:bodyPr>
-            <a:normAutofit fontScale="92500" lnSpcReduction="20000"/>
+            <a:normAutofit fontScale="92500" lnSpcReduction="10000"/>
           </a:bodyPr>
           <a:lstStyle/>
-          <a:p>
-            <a:endParaRPr lang="en-US" altLang="ko-KR" dirty="0"/>
-          </a:p>
           <a:p>
             <a:r>
               <a:rPr lang="ko-KR" altLang="en-US" dirty="0"/>
@@ -12582,12 +12895,9 @@
         <p:spPr/>
         <p:txBody>
           <a:bodyPr>
-            <a:normAutofit fontScale="92500" lnSpcReduction="20000"/>
+            <a:normAutofit fontScale="92500" lnSpcReduction="10000"/>
           </a:bodyPr>
           <a:lstStyle/>
-          <a:p>
-            <a:endParaRPr lang="en-US" altLang="ko-KR" dirty="0"/>
-          </a:p>
           <a:p>
             <a:r>
               <a:rPr lang="en-US" altLang="ko-KR" dirty="0"/>
@@ -12599,11 +12909,11 @@
             </a:r>
             <a:r>
               <a:rPr lang="en-US" altLang="ko-KR" dirty="0"/>
-              <a:t>) 122</a:t>
+              <a:t>) 190</a:t>
             </a:r>
             <a:r>
               <a:rPr lang="ko-KR" altLang="en-US" dirty="0"/>
-              <a:t>장 참 반가운 성도여</a:t>
+              <a:t>장 성령이여 강림하사</a:t>
             </a:r>
           </a:p>
         </p:txBody>
@@ -12657,12 +12967,9 @@
         <p:spPr/>
         <p:txBody>
           <a:bodyPr>
-            <a:normAutofit fontScale="92500" lnSpcReduction="20000"/>
+            <a:normAutofit fontScale="92500" lnSpcReduction="10000"/>
           </a:bodyPr>
           <a:lstStyle/>
-          <a:p>
-            <a:endParaRPr lang="en-US" altLang="ko-KR" dirty="0"/>
-          </a:p>
           <a:p>
             <a:r>
               <a:rPr lang="en-US" altLang="ko-KR" dirty="0"/>
@@ -12678,7 +12985,7 @@
             </a:r>
             <a:r>
               <a:rPr lang="ko-KR" altLang="en-US" dirty="0" err="1"/>
-              <a:t>주삼순권사</a:t>
+              <a:t>공병구안수집사</a:t>
             </a:r>
             <a:endParaRPr lang="ko-KR" altLang="en-US" dirty="0"/>
           </a:p>
@@ -13546,4 +13853,24 @@
     </a:ext>
   </a:extLst>
 </a:theme>
+</file>
+
+<file path=ppt/webextensions/taskpanes.xml><?xml version="1.0" encoding="utf-8"?>
+<wetp:taskpanes xmlns:wetp="http://schemas.microsoft.com/office/webextensions/taskpanes/2010/11">
+  <wetp:taskpane dockstate="right" visibility="0" width="350" row="2">
+    <wetp:webextensionref xmlns:r="http://schemas.openxmlformats.org/officeDocument/2006/relationships" r:id="rId1"/>
+  </wetp:taskpane>
+</wetp:taskpanes>
+</file>
+
+<file path=ppt/webextensions/webextension1.xml><?xml version="1.0" encoding="utf-8"?>
+<we:webextension xmlns:we="http://schemas.microsoft.com/office/webextensions/webextension/2010/11" id="{F27A2770-EAF6-41E1-BD8F-761476E7314B}">
+  <we:reference id="wa104178772" version="1.0.0.0" store="ko-KR" storeType="OMEX"/>
+  <we:alternateReferences>
+    <we:reference id="WA104178772" version="1.0.0.0" store="WA104178772" storeType="OMEX"/>
+  </we:alternateReferences>
+  <we:properties/>
+  <we:bindings/>
+  <we:snapshot xmlns:r="http://schemas.openxmlformats.org/officeDocument/2006/relationships"/>
+</we:webextension>
 </file>
--- a/caption.pptx
+++ b/caption.pptx
@@ -146,6 +146,534 @@
 
 <file path=ppt/changesInfos/changesInfo1.xml><?xml version="1.0" encoding="utf-8"?>
 <pc:chgInfo xmlns:a="http://schemas.openxmlformats.org/drawingml/2006/main" xmlns:r="http://schemas.openxmlformats.org/officeDocument/2006/relationships" xmlns:ac="http://schemas.microsoft.com/office/drawing/2013/main/command" xmlns:pc="http://schemas.microsoft.com/office/powerpoint/2013/main/command">
+  <pc:docChgLst>
+    <pc:chgData name="성광 교회" userId="cbd53a764bfb2840" providerId="LiveId" clId="{79E5B231-42B9-4C11-85FB-6F1C289AC7C9}"/>
+    <pc:docChg chg="custSel addSld delSld modSld">
+      <pc:chgData name="성광 교회" userId="cbd53a764bfb2840" providerId="LiveId" clId="{79E5B231-42B9-4C11-85FB-6F1C289AC7C9}" dt="2020-12-06T01:57:35.211" v="303" actId="20577"/>
+      <pc:docMkLst>
+        <pc:docMk/>
+      </pc:docMkLst>
+      <pc:sldChg chg="modSp mod">
+        <pc:chgData name="성광 교회" userId="cbd53a764bfb2840" providerId="LiveId" clId="{79E5B231-42B9-4C11-85FB-6F1C289AC7C9}" dt="2020-12-06T01:29:38.497" v="120" actId="20577"/>
+        <pc:sldMkLst>
+          <pc:docMk/>
+          <pc:sldMk cId="6136223" sldId="289"/>
+        </pc:sldMkLst>
+        <pc:spChg chg="mod">
+          <ac:chgData name="성광 교회" userId="cbd53a764bfb2840" providerId="LiveId" clId="{79E5B231-42B9-4C11-85FB-6F1C289AC7C9}" dt="2020-12-06T01:29:38.497" v="120" actId="20577"/>
+          <ac:spMkLst>
+            <pc:docMk/>
+            <pc:sldMk cId="6136223" sldId="289"/>
+            <ac:spMk id="2" creationId="{264ACACA-6A84-44F4-AB1E-477DFD3BF190}"/>
+          </ac:spMkLst>
+        </pc:spChg>
+      </pc:sldChg>
+      <pc:sldChg chg="modSp mod">
+        <pc:chgData name="성광 교회" userId="cbd53a764bfb2840" providerId="LiveId" clId="{79E5B231-42B9-4C11-85FB-6F1C289AC7C9}" dt="2020-12-06T01:29:59.355" v="166"/>
+        <pc:sldMkLst>
+          <pc:docMk/>
+          <pc:sldMk cId="2842148607" sldId="290"/>
+        </pc:sldMkLst>
+        <pc:spChg chg="mod">
+          <ac:chgData name="성광 교회" userId="cbd53a764bfb2840" providerId="LiveId" clId="{79E5B231-42B9-4C11-85FB-6F1C289AC7C9}" dt="2020-12-06T01:29:59.355" v="166"/>
+          <ac:spMkLst>
+            <pc:docMk/>
+            <pc:sldMk cId="2842148607" sldId="290"/>
+            <ac:spMk id="2" creationId="{980FE6B4-99F1-44F5-AF6D-9D86CF49D84E}"/>
+          </ac:spMkLst>
+        </pc:spChg>
+      </pc:sldChg>
+      <pc:sldChg chg="modSp mod">
+        <pc:chgData name="성광 교회" userId="cbd53a764bfb2840" providerId="LiveId" clId="{79E5B231-42B9-4C11-85FB-6F1C289AC7C9}" dt="2020-12-06T01:30:07.743" v="182"/>
+        <pc:sldMkLst>
+          <pc:docMk/>
+          <pc:sldMk cId="3645545145" sldId="291"/>
+        </pc:sldMkLst>
+        <pc:spChg chg="mod">
+          <ac:chgData name="성광 교회" userId="cbd53a764bfb2840" providerId="LiveId" clId="{79E5B231-42B9-4C11-85FB-6F1C289AC7C9}" dt="2020-12-06T01:30:07.743" v="182"/>
+          <ac:spMkLst>
+            <pc:docMk/>
+            <pc:sldMk cId="3645545145" sldId="291"/>
+            <ac:spMk id="2" creationId="{B2BC3A99-ED60-44A1-B611-316E87979C4B}"/>
+          </ac:spMkLst>
+        </pc:spChg>
+      </pc:sldChg>
+      <pc:sldChg chg="modSp mod">
+        <pc:chgData name="성광 교회" userId="cbd53a764bfb2840" providerId="LiveId" clId="{79E5B231-42B9-4C11-85FB-6F1C289AC7C9}" dt="2020-12-06T01:30:13.513" v="191" actId="20577"/>
+        <pc:sldMkLst>
+          <pc:docMk/>
+          <pc:sldMk cId="3133315123" sldId="292"/>
+        </pc:sldMkLst>
+        <pc:spChg chg="mod">
+          <ac:chgData name="성광 교회" userId="cbd53a764bfb2840" providerId="LiveId" clId="{79E5B231-42B9-4C11-85FB-6F1C289AC7C9}" dt="2020-12-06T01:30:13.513" v="191" actId="20577"/>
+          <ac:spMkLst>
+            <pc:docMk/>
+            <pc:sldMk cId="3133315123" sldId="292"/>
+            <ac:spMk id="2" creationId="{E4F10768-9069-4C1E-817D-15FE7109ABA6}"/>
+          </ac:spMkLst>
+        </pc:spChg>
+      </pc:sldChg>
+      <pc:sldChg chg="modSp mod">
+        <pc:chgData name="성광 교회" userId="cbd53a764bfb2840" providerId="LiveId" clId="{79E5B231-42B9-4C11-85FB-6F1C289AC7C9}" dt="2020-12-06T01:30:24.229" v="225"/>
+        <pc:sldMkLst>
+          <pc:docMk/>
+          <pc:sldMk cId="184537040" sldId="293"/>
+        </pc:sldMkLst>
+        <pc:spChg chg="mod">
+          <ac:chgData name="성광 교회" userId="cbd53a764bfb2840" providerId="LiveId" clId="{79E5B231-42B9-4C11-85FB-6F1C289AC7C9}" dt="2020-12-06T01:30:24.229" v="225"/>
+          <ac:spMkLst>
+            <pc:docMk/>
+            <pc:sldMk cId="184537040" sldId="293"/>
+            <ac:spMk id="2" creationId="{00FE92A9-DF5C-47E6-9768-A9DEAF015AC8}"/>
+          </ac:spMkLst>
+        </pc:spChg>
+      </pc:sldChg>
+      <pc:sldChg chg="modSp mod">
+        <pc:chgData name="성광 교회" userId="cbd53a764bfb2840" providerId="LiveId" clId="{79E5B231-42B9-4C11-85FB-6F1C289AC7C9}" dt="2020-12-06T01:30:32.476" v="263"/>
+        <pc:sldMkLst>
+          <pc:docMk/>
+          <pc:sldMk cId="1810675034" sldId="294"/>
+        </pc:sldMkLst>
+        <pc:spChg chg="mod">
+          <ac:chgData name="성광 교회" userId="cbd53a764bfb2840" providerId="LiveId" clId="{79E5B231-42B9-4C11-85FB-6F1C289AC7C9}" dt="2020-12-06T01:30:32.476" v="263"/>
+          <ac:spMkLst>
+            <pc:docMk/>
+            <pc:sldMk cId="1810675034" sldId="294"/>
+            <ac:spMk id="2" creationId="{C8AB262B-11FA-4922-AD9C-1A2B02E86199}"/>
+          </ac:spMkLst>
+        </pc:spChg>
+      </pc:sldChg>
+      <pc:sldChg chg="modSp mod">
+        <pc:chgData name="성광 교회" userId="cbd53a764bfb2840" providerId="LiveId" clId="{79E5B231-42B9-4C11-85FB-6F1C289AC7C9}" dt="2020-12-06T01:30:50.949" v="291"/>
+        <pc:sldMkLst>
+          <pc:docMk/>
+          <pc:sldMk cId="2298706695" sldId="295"/>
+        </pc:sldMkLst>
+        <pc:spChg chg="mod">
+          <ac:chgData name="성광 교회" userId="cbd53a764bfb2840" providerId="LiveId" clId="{79E5B231-42B9-4C11-85FB-6F1C289AC7C9}" dt="2020-12-06T01:30:50.949" v="291"/>
+          <ac:spMkLst>
+            <pc:docMk/>
+            <pc:sldMk cId="2298706695" sldId="295"/>
+            <ac:spMk id="2" creationId="{33E00931-5EE3-425F-A766-C8900F0C8C90}"/>
+          </ac:spMkLst>
+        </pc:spChg>
+      </pc:sldChg>
+      <pc:sldChg chg="modSp mod">
+        <pc:chgData name="성광 교회" userId="cbd53a764bfb2840" providerId="LiveId" clId="{79E5B231-42B9-4C11-85FB-6F1C289AC7C9}" dt="2020-12-06T01:29:30.461" v="94"/>
+        <pc:sldMkLst>
+          <pc:docMk/>
+          <pc:sldMk cId="1798717185" sldId="300"/>
+        </pc:sldMkLst>
+        <pc:spChg chg="mod">
+          <ac:chgData name="성광 교회" userId="cbd53a764bfb2840" providerId="LiveId" clId="{79E5B231-42B9-4C11-85FB-6F1C289AC7C9}" dt="2020-12-06T01:29:30.461" v="94"/>
+          <ac:spMkLst>
+            <pc:docMk/>
+            <pc:sldMk cId="1798717185" sldId="300"/>
+            <ac:spMk id="2" creationId="{C55F5694-1BB1-46CE-AF04-50746B94B134}"/>
+          </ac:spMkLst>
+        </pc:spChg>
+      </pc:sldChg>
+      <pc:sldChg chg="del">
+        <pc:chgData name="성광 교회" userId="cbd53a764bfb2840" providerId="LiveId" clId="{79E5B231-42B9-4C11-85FB-6F1C289AC7C9}" dt="2020-12-06T01:29:49.440" v="135" actId="47"/>
+        <pc:sldMkLst>
+          <pc:docMk/>
+          <pc:sldMk cId="3277750250" sldId="301"/>
+        </pc:sldMkLst>
+      </pc:sldChg>
+      <pc:sldChg chg="del">
+        <pc:chgData name="성광 교회" userId="cbd53a764bfb2840" providerId="LiveId" clId="{79E5B231-42B9-4C11-85FB-6F1C289AC7C9}" dt="2020-12-06T01:29:18.120" v="63" actId="47"/>
+        <pc:sldMkLst>
+          <pc:docMk/>
+          <pc:sldMk cId="2097190771" sldId="302"/>
+        </pc:sldMkLst>
+      </pc:sldChg>
+      <pc:sldChg chg="del">
+        <pc:chgData name="성광 교회" userId="cbd53a764bfb2840" providerId="LiveId" clId="{79E5B231-42B9-4C11-85FB-6F1C289AC7C9}" dt="2020-12-06T01:29:17.631" v="62" actId="47"/>
+        <pc:sldMkLst>
+          <pc:docMk/>
+          <pc:sldMk cId="3506231790" sldId="304"/>
+        </pc:sldMkLst>
+      </pc:sldChg>
+      <pc:sldChg chg="modSp add mod">
+        <pc:chgData name="성광 교회" userId="cbd53a764bfb2840" providerId="LiveId" clId="{79E5B231-42B9-4C11-85FB-6F1C289AC7C9}" dt="2020-12-06T01:29:09.069" v="40" actId="5793"/>
+        <pc:sldMkLst>
+          <pc:docMk/>
+          <pc:sldMk cId="449703629" sldId="305"/>
+        </pc:sldMkLst>
+        <pc:spChg chg="mod">
+          <ac:chgData name="성광 교회" userId="cbd53a764bfb2840" providerId="LiveId" clId="{79E5B231-42B9-4C11-85FB-6F1C289AC7C9}" dt="2020-12-06T01:29:09.069" v="40" actId="5793"/>
+          <ac:spMkLst>
+            <pc:docMk/>
+            <pc:sldMk cId="449703629" sldId="305"/>
+            <ac:spMk id="2" creationId="{924B6491-B942-4864-9E41-3CB5749507D4}"/>
+          </ac:spMkLst>
+        </pc:spChg>
+      </pc:sldChg>
+      <pc:sldChg chg="modSp add mod">
+        <pc:chgData name="성광 교회" userId="cbd53a764bfb2840" providerId="LiveId" clId="{79E5B231-42B9-4C11-85FB-6F1C289AC7C9}" dt="2020-12-06T01:57:35.211" v="303" actId="20577"/>
+        <pc:sldMkLst>
+          <pc:docMk/>
+          <pc:sldMk cId="3779209408" sldId="306"/>
+        </pc:sldMkLst>
+        <pc:spChg chg="mod">
+          <ac:chgData name="성광 교회" userId="cbd53a764bfb2840" providerId="LiveId" clId="{79E5B231-42B9-4C11-85FB-6F1C289AC7C9}" dt="2020-12-06T01:57:35.211" v="303" actId="20577"/>
+          <ac:spMkLst>
+            <pc:docMk/>
+            <pc:sldMk cId="3779209408" sldId="306"/>
+            <ac:spMk id="2" creationId="{924B6491-B942-4864-9E41-3CB5749507D4}"/>
+          </ac:spMkLst>
+        </pc:spChg>
+      </pc:sldChg>
+      <pc:sldChg chg="modSp add mod">
+        <pc:chgData name="성광 교회" userId="cbd53a764bfb2840" providerId="LiveId" clId="{79E5B231-42B9-4C11-85FB-6F1C289AC7C9}" dt="2020-12-06T01:29:48.829" v="134"/>
+        <pc:sldMkLst>
+          <pc:docMk/>
+          <pc:sldMk cId="2232229105" sldId="307"/>
+        </pc:sldMkLst>
+        <pc:spChg chg="mod">
+          <ac:chgData name="성광 교회" userId="cbd53a764bfb2840" providerId="LiveId" clId="{79E5B231-42B9-4C11-85FB-6F1C289AC7C9}" dt="2020-12-06T01:29:48.829" v="134"/>
+          <ac:spMkLst>
+            <pc:docMk/>
+            <pc:sldMk cId="2232229105" sldId="307"/>
+            <ac:spMk id="2" creationId="{264ACACA-6A84-44F4-AB1E-477DFD3BF190}"/>
+          </ac:spMkLst>
+        </pc:spChg>
+      </pc:sldChg>
+    </pc:docChg>
+  </pc:docChgLst>
+  <pc:docChgLst>
+    <pc:chgData name="성광 교회" userId="cbd53a764bfb2840" providerId="LiveId" clId="{7567DA86-DF62-43C9-B7E4-FBB4E601EFB3}"/>
+    <pc:docChg chg="undo custSel addSld delSld modSld modMainMaster">
+      <pc:chgData name="성광 교회" userId="cbd53a764bfb2840" providerId="LiveId" clId="{7567DA86-DF62-43C9-B7E4-FBB4E601EFB3}" dt="2021-05-30T05:10:46.098" v="341" actId="20577"/>
+      <pc:docMkLst>
+        <pc:docMk/>
+      </pc:docMkLst>
+      <pc:sldChg chg="modSp mod">
+        <pc:chgData name="성광 교회" userId="cbd53a764bfb2840" providerId="LiveId" clId="{7567DA86-DF62-43C9-B7E4-FBB4E601EFB3}" dt="2021-05-30T01:37:57.114" v="317" actId="27636"/>
+        <pc:sldMkLst>
+          <pc:docMk/>
+          <pc:sldMk cId="3933793636" sldId="268"/>
+        </pc:sldMkLst>
+        <pc:spChg chg="mod">
+          <ac:chgData name="성광 교회" userId="cbd53a764bfb2840" providerId="LiveId" clId="{7567DA86-DF62-43C9-B7E4-FBB4E601EFB3}" dt="2021-05-30T01:37:57.114" v="317" actId="27636"/>
+          <ac:spMkLst>
+            <pc:docMk/>
+            <pc:sldMk cId="3933793636" sldId="268"/>
+            <ac:spMk id="2" creationId="{924B6491-B942-4864-9E41-3CB5749507D4}"/>
+          </ac:spMkLst>
+        </pc:spChg>
+      </pc:sldChg>
+      <pc:sldChg chg="modSp mod">
+        <pc:chgData name="성광 교회" userId="cbd53a764bfb2840" providerId="LiveId" clId="{7567DA86-DF62-43C9-B7E4-FBB4E601EFB3}" dt="2021-05-30T01:38:01.032" v="321" actId="27636"/>
+        <pc:sldMkLst>
+          <pc:docMk/>
+          <pc:sldMk cId="3330217447" sldId="283"/>
+        </pc:sldMkLst>
+        <pc:spChg chg="mod">
+          <ac:chgData name="성광 교회" userId="cbd53a764bfb2840" providerId="LiveId" clId="{7567DA86-DF62-43C9-B7E4-FBB4E601EFB3}" dt="2021-05-30T01:38:01.032" v="321" actId="27636"/>
+          <ac:spMkLst>
+            <pc:docMk/>
+            <pc:sldMk cId="3330217447" sldId="283"/>
+            <ac:spMk id="2" creationId="{F5162A09-739D-4D69-8364-08FC64EED7E4}"/>
+          </ac:spMkLst>
+        </pc:spChg>
+      </pc:sldChg>
+      <pc:sldChg chg="modSp mod">
+        <pc:chgData name="성광 교회" userId="cbd53a764bfb2840" providerId="LiveId" clId="{7567DA86-DF62-43C9-B7E4-FBB4E601EFB3}" dt="2021-05-30T01:37:06.450" v="284" actId="27636"/>
+        <pc:sldMkLst>
+          <pc:docMk/>
+          <pc:sldMk cId="2033826709" sldId="284"/>
+        </pc:sldMkLst>
+        <pc:spChg chg="mod">
+          <ac:chgData name="성광 교회" userId="cbd53a764bfb2840" providerId="LiveId" clId="{7567DA86-DF62-43C9-B7E4-FBB4E601EFB3}" dt="2021-05-30T01:37:06.450" v="284" actId="27636"/>
+          <ac:spMkLst>
+            <pc:docMk/>
+            <pc:sldMk cId="2033826709" sldId="284"/>
+            <ac:spMk id="2" creationId="{924B6491-B942-4864-9E41-3CB5749507D4}"/>
+          </ac:spMkLst>
+        </pc:spChg>
+      </pc:sldChg>
+      <pc:sldChg chg="modSp mod">
+        <pc:chgData name="성광 교회" userId="cbd53a764bfb2840" providerId="LiveId" clId="{7567DA86-DF62-43C9-B7E4-FBB4E601EFB3}" dt="2021-05-30T01:37:11.114" v="288" actId="27636"/>
+        <pc:sldMkLst>
+          <pc:docMk/>
+          <pc:sldMk cId="75699617" sldId="288"/>
+        </pc:sldMkLst>
+        <pc:spChg chg="mod">
+          <ac:chgData name="성광 교회" userId="cbd53a764bfb2840" providerId="LiveId" clId="{7567DA86-DF62-43C9-B7E4-FBB4E601EFB3}" dt="2021-05-30T01:37:11.114" v="288" actId="27636"/>
+          <ac:spMkLst>
+            <pc:docMk/>
+            <pc:sldMk cId="75699617" sldId="288"/>
+            <ac:spMk id="2" creationId="{C55F5694-1BB1-46CE-AF04-50746B94B134}"/>
+          </ac:spMkLst>
+        </pc:spChg>
+      </pc:sldChg>
+      <pc:sldChg chg="modSp mod">
+        <pc:chgData name="성광 교회" userId="cbd53a764bfb2840" providerId="LiveId" clId="{7567DA86-DF62-43C9-B7E4-FBB4E601EFB3}" dt="2021-05-30T01:37:15.009" v="292" actId="27636"/>
+        <pc:sldMkLst>
+          <pc:docMk/>
+          <pc:sldMk cId="6136223" sldId="289"/>
+        </pc:sldMkLst>
+        <pc:spChg chg="mod">
+          <ac:chgData name="성광 교회" userId="cbd53a764bfb2840" providerId="LiveId" clId="{7567DA86-DF62-43C9-B7E4-FBB4E601EFB3}" dt="2021-05-30T01:37:15.009" v="292" actId="27636"/>
+          <ac:spMkLst>
+            <pc:docMk/>
+            <pc:sldMk cId="6136223" sldId="289"/>
+            <ac:spMk id="2" creationId="{264ACACA-6A84-44F4-AB1E-477DFD3BF190}"/>
+          </ac:spMkLst>
+        </pc:spChg>
+      </pc:sldChg>
+      <pc:sldChg chg="modSp mod">
+        <pc:chgData name="성광 교회" userId="cbd53a764bfb2840" providerId="LiveId" clId="{7567DA86-DF62-43C9-B7E4-FBB4E601EFB3}" dt="2021-05-30T01:37:19.169" v="296" actId="27636"/>
+        <pc:sldMkLst>
+          <pc:docMk/>
+          <pc:sldMk cId="2842148607" sldId="290"/>
+        </pc:sldMkLst>
+        <pc:spChg chg="mod">
+          <ac:chgData name="성광 교회" userId="cbd53a764bfb2840" providerId="LiveId" clId="{7567DA86-DF62-43C9-B7E4-FBB4E601EFB3}" dt="2021-05-30T01:37:19.169" v="296" actId="27636"/>
+          <ac:spMkLst>
+            <pc:docMk/>
+            <pc:sldMk cId="2842148607" sldId="290"/>
+            <ac:spMk id="2" creationId="{980FE6B4-99F1-44F5-AF6D-9D86CF49D84E}"/>
+          </ac:spMkLst>
+        </pc:spChg>
+      </pc:sldChg>
+      <pc:sldChg chg="modSp mod">
+        <pc:chgData name="성광 교회" userId="cbd53a764bfb2840" providerId="LiveId" clId="{7567DA86-DF62-43C9-B7E4-FBB4E601EFB3}" dt="2021-05-30T01:37:20.873" v="298" actId="27636"/>
+        <pc:sldMkLst>
+          <pc:docMk/>
+          <pc:sldMk cId="3645545145" sldId="291"/>
+        </pc:sldMkLst>
+        <pc:spChg chg="mod">
+          <ac:chgData name="성광 교회" userId="cbd53a764bfb2840" providerId="LiveId" clId="{7567DA86-DF62-43C9-B7E4-FBB4E601EFB3}" dt="2021-05-30T01:37:20.873" v="298" actId="27636"/>
+          <ac:spMkLst>
+            <pc:docMk/>
+            <pc:sldMk cId="3645545145" sldId="291"/>
+            <ac:spMk id="2" creationId="{B2BC3A99-ED60-44A1-B611-316E87979C4B}"/>
+          </ac:spMkLst>
+        </pc:spChg>
+      </pc:sldChg>
+      <pc:sldChg chg="modSp mod">
+        <pc:chgData name="성광 교회" userId="cbd53a764bfb2840" providerId="LiveId" clId="{7567DA86-DF62-43C9-B7E4-FBB4E601EFB3}" dt="2021-05-30T01:35:27.996" v="84" actId="20577"/>
+        <pc:sldMkLst>
+          <pc:docMk/>
+          <pc:sldMk cId="3133315123" sldId="292"/>
+        </pc:sldMkLst>
+        <pc:spChg chg="mod">
+          <ac:chgData name="성광 교회" userId="cbd53a764bfb2840" providerId="LiveId" clId="{7567DA86-DF62-43C9-B7E4-FBB4E601EFB3}" dt="2021-05-30T01:35:27.996" v="84" actId="20577"/>
+          <ac:spMkLst>
+            <pc:docMk/>
+            <pc:sldMk cId="3133315123" sldId="292"/>
+            <ac:spMk id="2" creationId="{E4F10768-9069-4C1E-817D-15FE7109ABA6}"/>
+          </ac:spMkLst>
+        </pc:spChg>
+      </pc:sldChg>
+      <pc:sldChg chg="modSp mod">
+        <pc:chgData name="성광 교회" userId="cbd53a764bfb2840" providerId="LiveId" clId="{7567DA86-DF62-43C9-B7E4-FBB4E601EFB3}" dt="2021-05-30T01:37:25.066" v="301" actId="27636"/>
+        <pc:sldMkLst>
+          <pc:docMk/>
+          <pc:sldMk cId="184537040" sldId="293"/>
+        </pc:sldMkLst>
+        <pc:spChg chg="mod">
+          <ac:chgData name="성광 교회" userId="cbd53a764bfb2840" providerId="LiveId" clId="{7567DA86-DF62-43C9-B7E4-FBB4E601EFB3}" dt="2021-05-30T01:37:25.066" v="301" actId="27636"/>
+          <ac:spMkLst>
+            <pc:docMk/>
+            <pc:sldMk cId="184537040" sldId="293"/>
+            <ac:spMk id="2" creationId="{00FE92A9-DF5C-47E6-9768-A9DEAF015AC8}"/>
+          </ac:spMkLst>
+        </pc:spChg>
+      </pc:sldChg>
+      <pc:sldChg chg="modSp del mod">
+        <pc:chgData name="성광 교회" userId="cbd53a764bfb2840" providerId="LiveId" clId="{7567DA86-DF62-43C9-B7E4-FBB4E601EFB3}" dt="2021-05-30T01:37:49.548" v="309" actId="47"/>
+        <pc:sldMkLst>
+          <pc:docMk/>
+          <pc:sldMk cId="1810675034" sldId="294"/>
+        </pc:sldMkLst>
+        <pc:spChg chg="mod">
+          <ac:chgData name="성광 교회" userId="cbd53a764bfb2840" providerId="LiveId" clId="{7567DA86-DF62-43C9-B7E4-FBB4E601EFB3}" dt="2021-05-30T01:35:46.113" v="169"/>
+          <ac:spMkLst>
+            <pc:docMk/>
+            <pc:sldMk cId="1810675034" sldId="294"/>
+            <ac:spMk id="2" creationId="{C8AB262B-11FA-4922-AD9C-1A2B02E86199}"/>
+          </ac:spMkLst>
+        </pc:spChg>
+      </pc:sldChg>
+      <pc:sldChg chg="modSp del mod">
+        <pc:chgData name="성광 교회" userId="cbd53a764bfb2840" providerId="LiveId" clId="{7567DA86-DF62-43C9-B7E4-FBB4E601EFB3}" dt="2021-05-30T01:37:49.548" v="309" actId="47"/>
+        <pc:sldMkLst>
+          <pc:docMk/>
+          <pc:sldMk cId="2298706695" sldId="295"/>
+        </pc:sldMkLst>
+        <pc:spChg chg="mod">
+          <ac:chgData name="성광 교회" userId="cbd53a764bfb2840" providerId="LiveId" clId="{7567DA86-DF62-43C9-B7E4-FBB4E601EFB3}" dt="2021-05-30T01:35:58.333" v="218"/>
+          <ac:spMkLst>
+            <pc:docMk/>
+            <pc:sldMk cId="2298706695" sldId="295"/>
+            <ac:spMk id="2" creationId="{33E00931-5EE3-425F-A766-C8900F0C8C90}"/>
+          </ac:spMkLst>
+        </pc:spChg>
+      </pc:sldChg>
+      <pc:sldChg chg="modSp mod">
+        <pc:chgData name="성광 교회" userId="cbd53a764bfb2840" providerId="LiveId" clId="{7567DA86-DF62-43C9-B7E4-FBB4E601EFB3}" dt="2021-05-30T01:37:55.256" v="315" actId="27636"/>
+        <pc:sldMkLst>
+          <pc:docMk/>
+          <pc:sldMk cId="1512909927" sldId="296"/>
+        </pc:sldMkLst>
+        <pc:spChg chg="mod">
+          <ac:chgData name="성광 교회" userId="cbd53a764bfb2840" providerId="LiveId" clId="{7567DA86-DF62-43C9-B7E4-FBB4E601EFB3}" dt="2021-05-30T01:37:55.256" v="315" actId="27636"/>
+          <ac:spMkLst>
+            <pc:docMk/>
+            <pc:sldMk cId="1512909927" sldId="296"/>
+            <ac:spMk id="2" creationId="{5D3F789D-42AF-4B3C-98FB-54C495A9C456}"/>
+          </ac:spMkLst>
+        </pc:spChg>
+      </pc:sldChg>
+      <pc:sldChg chg="modSp mod">
+        <pc:chgData name="성광 교회" userId="cbd53a764bfb2840" providerId="LiveId" clId="{7567DA86-DF62-43C9-B7E4-FBB4E601EFB3}" dt="2021-05-30T01:37:13.393" v="290" actId="27636"/>
+        <pc:sldMkLst>
+          <pc:docMk/>
+          <pc:sldMk cId="1798717185" sldId="300"/>
+        </pc:sldMkLst>
+        <pc:spChg chg="mod">
+          <ac:chgData name="성광 교회" userId="cbd53a764bfb2840" providerId="LiveId" clId="{7567DA86-DF62-43C9-B7E4-FBB4E601EFB3}" dt="2021-05-30T01:37:13.393" v="290" actId="27636"/>
+          <ac:spMkLst>
+            <pc:docMk/>
+            <pc:sldMk cId="1798717185" sldId="300"/>
+            <ac:spMk id="2" creationId="{C55F5694-1BB1-46CE-AF04-50746B94B134}"/>
+          </ac:spMkLst>
+        </pc:spChg>
+      </pc:sldChg>
+      <pc:sldChg chg="modSp mod">
+        <pc:chgData name="성광 교회" userId="cbd53a764bfb2840" providerId="LiveId" clId="{7567DA86-DF62-43C9-B7E4-FBB4E601EFB3}" dt="2021-05-30T01:37:53.216" v="313" actId="27636"/>
+        <pc:sldMkLst>
+          <pc:docMk/>
+          <pc:sldMk cId="1054013262" sldId="303"/>
+        </pc:sldMkLst>
+        <pc:spChg chg="mod">
+          <ac:chgData name="성광 교회" userId="cbd53a764bfb2840" providerId="LiveId" clId="{7567DA86-DF62-43C9-B7E4-FBB4E601EFB3}" dt="2021-05-30T01:37:53.216" v="313" actId="27636"/>
+          <ac:spMkLst>
+            <pc:docMk/>
+            <pc:sldMk cId="1054013262" sldId="303"/>
+            <ac:spMk id="2" creationId="{33E00931-5EE3-425F-A766-C8900F0C8C90}"/>
+          </ac:spMkLst>
+        </pc:spChg>
+      </pc:sldChg>
+      <pc:sldChg chg="modSp mod">
+        <pc:chgData name="성광 교회" userId="cbd53a764bfb2840" providerId="LiveId" clId="{7567DA86-DF62-43C9-B7E4-FBB4E601EFB3}" dt="2021-05-30T01:37:00.305" v="280" actId="27636"/>
+        <pc:sldMkLst>
+          <pc:docMk/>
+          <pc:sldMk cId="449703629" sldId="305"/>
+        </pc:sldMkLst>
+        <pc:spChg chg="mod">
+          <ac:chgData name="성광 교회" userId="cbd53a764bfb2840" providerId="LiveId" clId="{7567DA86-DF62-43C9-B7E4-FBB4E601EFB3}" dt="2021-05-30T01:37:00.305" v="280" actId="27636"/>
+          <ac:spMkLst>
+            <pc:docMk/>
+            <pc:sldMk cId="449703629" sldId="305"/>
+            <ac:spMk id="2" creationId="{924B6491-B942-4864-9E41-3CB5749507D4}"/>
+          </ac:spMkLst>
+        </pc:spChg>
+      </pc:sldChg>
+      <pc:sldChg chg="modSp mod">
+        <pc:chgData name="성광 교회" userId="cbd53a764bfb2840" providerId="LiveId" clId="{7567DA86-DF62-43C9-B7E4-FBB4E601EFB3}" dt="2021-05-30T05:10:46.098" v="341" actId="20577"/>
+        <pc:sldMkLst>
+          <pc:docMk/>
+          <pc:sldMk cId="3779209408" sldId="306"/>
+        </pc:sldMkLst>
+        <pc:spChg chg="mod">
+          <ac:chgData name="성광 교회" userId="cbd53a764bfb2840" providerId="LiveId" clId="{7567DA86-DF62-43C9-B7E4-FBB4E601EFB3}" dt="2021-05-30T05:10:46.098" v="341" actId="20577"/>
+          <ac:spMkLst>
+            <pc:docMk/>
+            <pc:sldMk cId="3779209408" sldId="306"/>
+            <ac:spMk id="2" creationId="{924B6491-B942-4864-9E41-3CB5749507D4}"/>
+          </ac:spMkLst>
+        </pc:spChg>
+      </pc:sldChg>
+      <pc:sldChg chg="modSp mod">
+        <pc:chgData name="성광 교회" userId="cbd53a764bfb2840" providerId="LiveId" clId="{7567DA86-DF62-43C9-B7E4-FBB4E601EFB3}" dt="2021-05-30T01:37:17.079" v="294" actId="27636"/>
+        <pc:sldMkLst>
+          <pc:docMk/>
+          <pc:sldMk cId="2232229105" sldId="307"/>
+        </pc:sldMkLst>
+        <pc:spChg chg="mod">
+          <ac:chgData name="성광 교회" userId="cbd53a764bfb2840" providerId="LiveId" clId="{7567DA86-DF62-43C9-B7E4-FBB4E601EFB3}" dt="2021-05-30T01:37:17.079" v="294" actId="27636"/>
+          <ac:spMkLst>
+            <pc:docMk/>
+            <pc:sldMk cId="2232229105" sldId="307"/>
+            <ac:spMk id="2" creationId="{264ACACA-6A84-44F4-AB1E-477DFD3BF190}"/>
+          </ac:spMkLst>
+        </pc:spChg>
+      </pc:sldChg>
+      <pc:sldChg chg="modSp mod">
+        <pc:chgData name="성광 교회" userId="cbd53a764bfb2840" providerId="LiveId" clId="{7567DA86-DF62-43C9-B7E4-FBB4E601EFB3}" dt="2021-05-30T01:38:02.715" v="323" actId="27636"/>
+        <pc:sldMkLst>
+          <pc:docMk/>
+          <pc:sldMk cId="2630437963" sldId="308"/>
+        </pc:sldMkLst>
+        <pc:spChg chg="mod">
+          <ac:chgData name="성광 교회" userId="cbd53a764bfb2840" providerId="LiveId" clId="{7567DA86-DF62-43C9-B7E4-FBB4E601EFB3}" dt="2021-05-30T01:38:02.715" v="323" actId="27636"/>
+          <ac:spMkLst>
+            <pc:docMk/>
+            <pc:sldMk cId="2630437963" sldId="308"/>
+            <ac:spMk id="2" creationId="{924B6491-B942-4864-9E41-3CB5749507D4}"/>
+          </ac:spMkLst>
+        </pc:spChg>
+      </pc:sldChg>
+      <pc:sldChg chg="modSp add mod">
+        <pc:chgData name="성광 교회" userId="cbd53a764bfb2840" providerId="LiveId" clId="{7567DA86-DF62-43C9-B7E4-FBB4E601EFB3}" dt="2021-05-30T01:37:40.167" v="303"/>
+        <pc:sldMkLst>
+          <pc:docMk/>
+          <pc:sldMk cId="443117757" sldId="309"/>
+        </pc:sldMkLst>
+        <pc:spChg chg="mod">
+          <ac:chgData name="성광 교회" userId="cbd53a764bfb2840" providerId="LiveId" clId="{7567DA86-DF62-43C9-B7E4-FBB4E601EFB3}" dt="2021-05-30T01:37:40.167" v="303"/>
+          <ac:spMkLst>
+            <pc:docMk/>
+            <pc:sldMk cId="443117757" sldId="309"/>
+            <ac:spMk id="2" creationId="{00FE92A9-DF5C-47E6-9768-A9DEAF015AC8}"/>
+          </ac:spMkLst>
+        </pc:spChg>
+      </pc:sldChg>
+      <pc:sldChg chg="modSp add mod">
+        <pc:chgData name="성광 교회" userId="cbd53a764bfb2840" providerId="LiveId" clId="{7567DA86-DF62-43C9-B7E4-FBB4E601EFB3}" dt="2021-05-30T01:37:47.520" v="308" actId="27636"/>
+        <pc:sldMkLst>
+          <pc:docMk/>
+          <pc:sldMk cId="4060411953" sldId="310"/>
+        </pc:sldMkLst>
+        <pc:spChg chg="mod">
+          <ac:chgData name="성광 교회" userId="cbd53a764bfb2840" providerId="LiveId" clId="{7567DA86-DF62-43C9-B7E4-FBB4E601EFB3}" dt="2021-05-30T01:37:47.520" v="308" actId="27636"/>
+          <ac:spMkLst>
+            <pc:docMk/>
+            <pc:sldMk cId="4060411953" sldId="310"/>
+            <ac:spMk id="2" creationId="{00FE92A9-DF5C-47E6-9768-A9DEAF015AC8}"/>
+          </ac:spMkLst>
+        </pc:spChg>
+      </pc:sldChg>
+      <pc:sldMasterChg chg="modSldLayout">
+        <pc:chgData name="성광 교회" userId="cbd53a764bfb2840" providerId="LiveId" clId="{7567DA86-DF62-43C9-B7E4-FBB4E601EFB3}" dt="2021-05-30T01:36:49.494" v="263" actId="14100"/>
+        <pc:sldMasterMkLst>
+          <pc:docMk/>
+          <pc:sldMasterMk cId="2435403545" sldId="2147483651"/>
+        </pc:sldMasterMkLst>
+        <pc:sldLayoutChg chg="modSp mod">
+          <pc:chgData name="성광 교회" userId="cbd53a764bfb2840" providerId="LiveId" clId="{7567DA86-DF62-43C9-B7E4-FBB4E601EFB3}" dt="2021-05-30T01:36:49.494" v="263" actId="14100"/>
+          <pc:sldLayoutMkLst>
+            <pc:docMk/>
+            <pc:sldMasterMk cId="2435403545" sldId="2147483651"/>
+            <pc:sldLayoutMk cId="3658685100" sldId="2147483663"/>
+          </pc:sldLayoutMkLst>
+          <pc:spChg chg="mod">
+            <ac:chgData name="성광 교회" userId="cbd53a764bfb2840" providerId="LiveId" clId="{7567DA86-DF62-43C9-B7E4-FBB4E601EFB3}" dt="2021-05-30T01:36:49.494" v="263" actId="14100"/>
+            <ac:spMkLst>
+              <pc:docMk/>
+              <pc:sldMasterMk cId="2435403545" sldId="2147483651"/>
+              <pc:sldLayoutMk cId="3658685100" sldId="2147483663"/>
+              <ac:spMk id="3" creationId="{E995AC3C-A642-42DA-85B8-EEBBCDF1369F}"/>
+            </ac:spMkLst>
+          </pc:spChg>
+        </pc:sldLayoutChg>
+      </pc:sldMasterChg>
+    </pc:docChg>
+  </pc:docChgLst>
   <pc:docChgLst>
     <pc:chgData name="성광 교회" userId="cbd53a764bfb2840" providerId="LiveId" clId="{84DF3606-F30F-45EC-89A1-E20CC48D3759}"/>
     <pc:docChg chg="addSld delSld modSld modMainMaster modShowInfo">
@@ -571,339 +1099,6 @@
     </pc:docChg>
   </pc:docChgLst>
   <pc:docChgLst>
-    <pc:chgData name="성광 교회" userId="cbd53a764bfb2840" providerId="LiveId" clId="{7567DA86-DF62-43C9-B7E4-FBB4E601EFB3}"/>
-    <pc:docChg chg="undo custSel addSld delSld modSld modMainMaster">
-      <pc:chgData name="성광 교회" userId="cbd53a764bfb2840" providerId="LiveId" clId="{7567DA86-DF62-43C9-B7E4-FBB4E601EFB3}" dt="2021-05-30T05:10:46.098" v="341" actId="20577"/>
-      <pc:docMkLst>
-        <pc:docMk/>
-      </pc:docMkLst>
-      <pc:sldChg chg="modSp mod">
-        <pc:chgData name="성광 교회" userId="cbd53a764bfb2840" providerId="LiveId" clId="{7567DA86-DF62-43C9-B7E4-FBB4E601EFB3}" dt="2021-05-30T01:37:57.114" v="317" actId="27636"/>
-        <pc:sldMkLst>
-          <pc:docMk/>
-          <pc:sldMk cId="3933793636" sldId="268"/>
-        </pc:sldMkLst>
-        <pc:spChg chg="mod">
-          <ac:chgData name="성광 교회" userId="cbd53a764bfb2840" providerId="LiveId" clId="{7567DA86-DF62-43C9-B7E4-FBB4E601EFB3}" dt="2021-05-30T01:37:57.114" v="317" actId="27636"/>
-          <ac:spMkLst>
-            <pc:docMk/>
-            <pc:sldMk cId="3933793636" sldId="268"/>
-            <ac:spMk id="2" creationId="{924B6491-B942-4864-9E41-3CB5749507D4}"/>
-          </ac:spMkLst>
-        </pc:spChg>
-      </pc:sldChg>
-      <pc:sldChg chg="modSp mod">
-        <pc:chgData name="성광 교회" userId="cbd53a764bfb2840" providerId="LiveId" clId="{7567DA86-DF62-43C9-B7E4-FBB4E601EFB3}" dt="2021-05-30T01:38:01.032" v="321" actId="27636"/>
-        <pc:sldMkLst>
-          <pc:docMk/>
-          <pc:sldMk cId="3330217447" sldId="283"/>
-        </pc:sldMkLst>
-        <pc:spChg chg="mod">
-          <ac:chgData name="성광 교회" userId="cbd53a764bfb2840" providerId="LiveId" clId="{7567DA86-DF62-43C9-B7E4-FBB4E601EFB3}" dt="2021-05-30T01:38:01.032" v="321" actId="27636"/>
-          <ac:spMkLst>
-            <pc:docMk/>
-            <pc:sldMk cId="3330217447" sldId="283"/>
-            <ac:spMk id="2" creationId="{F5162A09-739D-4D69-8364-08FC64EED7E4}"/>
-          </ac:spMkLst>
-        </pc:spChg>
-      </pc:sldChg>
-      <pc:sldChg chg="modSp mod">
-        <pc:chgData name="성광 교회" userId="cbd53a764bfb2840" providerId="LiveId" clId="{7567DA86-DF62-43C9-B7E4-FBB4E601EFB3}" dt="2021-05-30T01:37:06.450" v="284" actId="27636"/>
-        <pc:sldMkLst>
-          <pc:docMk/>
-          <pc:sldMk cId="2033826709" sldId="284"/>
-        </pc:sldMkLst>
-        <pc:spChg chg="mod">
-          <ac:chgData name="성광 교회" userId="cbd53a764bfb2840" providerId="LiveId" clId="{7567DA86-DF62-43C9-B7E4-FBB4E601EFB3}" dt="2021-05-30T01:37:06.450" v="284" actId="27636"/>
-          <ac:spMkLst>
-            <pc:docMk/>
-            <pc:sldMk cId="2033826709" sldId="284"/>
-            <ac:spMk id="2" creationId="{924B6491-B942-4864-9E41-3CB5749507D4}"/>
-          </ac:spMkLst>
-        </pc:spChg>
-      </pc:sldChg>
-      <pc:sldChg chg="modSp mod">
-        <pc:chgData name="성광 교회" userId="cbd53a764bfb2840" providerId="LiveId" clId="{7567DA86-DF62-43C9-B7E4-FBB4E601EFB3}" dt="2021-05-30T01:37:11.114" v="288" actId="27636"/>
-        <pc:sldMkLst>
-          <pc:docMk/>
-          <pc:sldMk cId="75699617" sldId="288"/>
-        </pc:sldMkLst>
-        <pc:spChg chg="mod">
-          <ac:chgData name="성광 교회" userId="cbd53a764bfb2840" providerId="LiveId" clId="{7567DA86-DF62-43C9-B7E4-FBB4E601EFB3}" dt="2021-05-30T01:37:11.114" v="288" actId="27636"/>
-          <ac:spMkLst>
-            <pc:docMk/>
-            <pc:sldMk cId="75699617" sldId="288"/>
-            <ac:spMk id="2" creationId="{C55F5694-1BB1-46CE-AF04-50746B94B134}"/>
-          </ac:spMkLst>
-        </pc:spChg>
-      </pc:sldChg>
-      <pc:sldChg chg="modSp mod">
-        <pc:chgData name="성광 교회" userId="cbd53a764bfb2840" providerId="LiveId" clId="{7567DA86-DF62-43C9-B7E4-FBB4E601EFB3}" dt="2021-05-30T01:37:15.009" v="292" actId="27636"/>
-        <pc:sldMkLst>
-          <pc:docMk/>
-          <pc:sldMk cId="6136223" sldId="289"/>
-        </pc:sldMkLst>
-        <pc:spChg chg="mod">
-          <ac:chgData name="성광 교회" userId="cbd53a764bfb2840" providerId="LiveId" clId="{7567DA86-DF62-43C9-B7E4-FBB4E601EFB3}" dt="2021-05-30T01:37:15.009" v="292" actId="27636"/>
-          <ac:spMkLst>
-            <pc:docMk/>
-            <pc:sldMk cId="6136223" sldId="289"/>
-            <ac:spMk id="2" creationId="{264ACACA-6A84-44F4-AB1E-477DFD3BF190}"/>
-          </ac:spMkLst>
-        </pc:spChg>
-      </pc:sldChg>
-      <pc:sldChg chg="modSp mod">
-        <pc:chgData name="성광 교회" userId="cbd53a764bfb2840" providerId="LiveId" clId="{7567DA86-DF62-43C9-B7E4-FBB4E601EFB3}" dt="2021-05-30T01:37:19.169" v="296" actId="27636"/>
-        <pc:sldMkLst>
-          <pc:docMk/>
-          <pc:sldMk cId="2842148607" sldId="290"/>
-        </pc:sldMkLst>
-        <pc:spChg chg="mod">
-          <ac:chgData name="성광 교회" userId="cbd53a764bfb2840" providerId="LiveId" clId="{7567DA86-DF62-43C9-B7E4-FBB4E601EFB3}" dt="2021-05-30T01:37:19.169" v="296" actId="27636"/>
-          <ac:spMkLst>
-            <pc:docMk/>
-            <pc:sldMk cId="2842148607" sldId="290"/>
-            <ac:spMk id="2" creationId="{980FE6B4-99F1-44F5-AF6D-9D86CF49D84E}"/>
-          </ac:spMkLst>
-        </pc:spChg>
-      </pc:sldChg>
-      <pc:sldChg chg="modSp mod">
-        <pc:chgData name="성광 교회" userId="cbd53a764bfb2840" providerId="LiveId" clId="{7567DA86-DF62-43C9-B7E4-FBB4E601EFB3}" dt="2021-05-30T01:37:20.873" v="298" actId="27636"/>
-        <pc:sldMkLst>
-          <pc:docMk/>
-          <pc:sldMk cId="3645545145" sldId="291"/>
-        </pc:sldMkLst>
-        <pc:spChg chg="mod">
-          <ac:chgData name="성광 교회" userId="cbd53a764bfb2840" providerId="LiveId" clId="{7567DA86-DF62-43C9-B7E4-FBB4E601EFB3}" dt="2021-05-30T01:37:20.873" v="298" actId="27636"/>
-          <ac:spMkLst>
-            <pc:docMk/>
-            <pc:sldMk cId="3645545145" sldId="291"/>
-            <ac:spMk id="2" creationId="{B2BC3A99-ED60-44A1-B611-316E87979C4B}"/>
-          </ac:spMkLst>
-        </pc:spChg>
-      </pc:sldChg>
-      <pc:sldChg chg="modSp mod">
-        <pc:chgData name="성광 교회" userId="cbd53a764bfb2840" providerId="LiveId" clId="{7567DA86-DF62-43C9-B7E4-FBB4E601EFB3}" dt="2021-05-30T01:35:27.996" v="84" actId="20577"/>
-        <pc:sldMkLst>
-          <pc:docMk/>
-          <pc:sldMk cId="3133315123" sldId="292"/>
-        </pc:sldMkLst>
-        <pc:spChg chg="mod">
-          <ac:chgData name="성광 교회" userId="cbd53a764bfb2840" providerId="LiveId" clId="{7567DA86-DF62-43C9-B7E4-FBB4E601EFB3}" dt="2021-05-30T01:35:27.996" v="84" actId="20577"/>
-          <ac:spMkLst>
-            <pc:docMk/>
-            <pc:sldMk cId="3133315123" sldId="292"/>
-            <ac:spMk id="2" creationId="{E4F10768-9069-4C1E-817D-15FE7109ABA6}"/>
-          </ac:spMkLst>
-        </pc:spChg>
-      </pc:sldChg>
-      <pc:sldChg chg="modSp mod">
-        <pc:chgData name="성광 교회" userId="cbd53a764bfb2840" providerId="LiveId" clId="{7567DA86-DF62-43C9-B7E4-FBB4E601EFB3}" dt="2021-05-30T01:37:25.066" v="301" actId="27636"/>
-        <pc:sldMkLst>
-          <pc:docMk/>
-          <pc:sldMk cId="184537040" sldId="293"/>
-        </pc:sldMkLst>
-        <pc:spChg chg="mod">
-          <ac:chgData name="성광 교회" userId="cbd53a764bfb2840" providerId="LiveId" clId="{7567DA86-DF62-43C9-B7E4-FBB4E601EFB3}" dt="2021-05-30T01:37:25.066" v="301" actId="27636"/>
-          <ac:spMkLst>
-            <pc:docMk/>
-            <pc:sldMk cId="184537040" sldId="293"/>
-            <ac:spMk id="2" creationId="{00FE92A9-DF5C-47E6-9768-A9DEAF015AC8}"/>
-          </ac:spMkLst>
-        </pc:spChg>
-      </pc:sldChg>
-      <pc:sldChg chg="modSp del mod">
-        <pc:chgData name="성광 교회" userId="cbd53a764bfb2840" providerId="LiveId" clId="{7567DA86-DF62-43C9-B7E4-FBB4E601EFB3}" dt="2021-05-30T01:37:49.548" v="309" actId="47"/>
-        <pc:sldMkLst>
-          <pc:docMk/>
-          <pc:sldMk cId="1810675034" sldId="294"/>
-        </pc:sldMkLst>
-        <pc:spChg chg="mod">
-          <ac:chgData name="성광 교회" userId="cbd53a764bfb2840" providerId="LiveId" clId="{7567DA86-DF62-43C9-B7E4-FBB4E601EFB3}" dt="2021-05-30T01:35:46.113" v="169"/>
-          <ac:spMkLst>
-            <pc:docMk/>
-            <pc:sldMk cId="1810675034" sldId="294"/>
-            <ac:spMk id="2" creationId="{C8AB262B-11FA-4922-AD9C-1A2B02E86199}"/>
-          </ac:spMkLst>
-        </pc:spChg>
-      </pc:sldChg>
-      <pc:sldChg chg="modSp del mod">
-        <pc:chgData name="성광 교회" userId="cbd53a764bfb2840" providerId="LiveId" clId="{7567DA86-DF62-43C9-B7E4-FBB4E601EFB3}" dt="2021-05-30T01:37:49.548" v="309" actId="47"/>
-        <pc:sldMkLst>
-          <pc:docMk/>
-          <pc:sldMk cId="2298706695" sldId="295"/>
-        </pc:sldMkLst>
-        <pc:spChg chg="mod">
-          <ac:chgData name="성광 교회" userId="cbd53a764bfb2840" providerId="LiveId" clId="{7567DA86-DF62-43C9-B7E4-FBB4E601EFB3}" dt="2021-05-30T01:35:58.333" v="218"/>
-          <ac:spMkLst>
-            <pc:docMk/>
-            <pc:sldMk cId="2298706695" sldId="295"/>
-            <ac:spMk id="2" creationId="{33E00931-5EE3-425F-A766-C8900F0C8C90}"/>
-          </ac:spMkLst>
-        </pc:spChg>
-      </pc:sldChg>
-      <pc:sldChg chg="modSp mod">
-        <pc:chgData name="성광 교회" userId="cbd53a764bfb2840" providerId="LiveId" clId="{7567DA86-DF62-43C9-B7E4-FBB4E601EFB3}" dt="2021-05-30T01:37:55.256" v="315" actId="27636"/>
-        <pc:sldMkLst>
-          <pc:docMk/>
-          <pc:sldMk cId="1512909927" sldId="296"/>
-        </pc:sldMkLst>
-        <pc:spChg chg="mod">
-          <ac:chgData name="성광 교회" userId="cbd53a764bfb2840" providerId="LiveId" clId="{7567DA86-DF62-43C9-B7E4-FBB4E601EFB3}" dt="2021-05-30T01:37:55.256" v="315" actId="27636"/>
-          <ac:spMkLst>
-            <pc:docMk/>
-            <pc:sldMk cId="1512909927" sldId="296"/>
-            <ac:spMk id="2" creationId="{5D3F789D-42AF-4B3C-98FB-54C495A9C456}"/>
-          </ac:spMkLst>
-        </pc:spChg>
-      </pc:sldChg>
-      <pc:sldChg chg="modSp mod">
-        <pc:chgData name="성광 교회" userId="cbd53a764bfb2840" providerId="LiveId" clId="{7567DA86-DF62-43C9-B7E4-FBB4E601EFB3}" dt="2021-05-30T01:37:13.393" v="290" actId="27636"/>
-        <pc:sldMkLst>
-          <pc:docMk/>
-          <pc:sldMk cId="1798717185" sldId="300"/>
-        </pc:sldMkLst>
-        <pc:spChg chg="mod">
-          <ac:chgData name="성광 교회" userId="cbd53a764bfb2840" providerId="LiveId" clId="{7567DA86-DF62-43C9-B7E4-FBB4E601EFB3}" dt="2021-05-30T01:37:13.393" v="290" actId="27636"/>
-          <ac:spMkLst>
-            <pc:docMk/>
-            <pc:sldMk cId="1798717185" sldId="300"/>
-            <ac:spMk id="2" creationId="{C55F5694-1BB1-46CE-AF04-50746B94B134}"/>
-          </ac:spMkLst>
-        </pc:spChg>
-      </pc:sldChg>
-      <pc:sldChg chg="modSp mod">
-        <pc:chgData name="성광 교회" userId="cbd53a764bfb2840" providerId="LiveId" clId="{7567DA86-DF62-43C9-B7E4-FBB4E601EFB3}" dt="2021-05-30T01:37:53.216" v="313" actId="27636"/>
-        <pc:sldMkLst>
-          <pc:docMk/>
-          <pc:sldMk cId="1054013262" sldId="303"/>
-        </pc:sldMkLst>
-        <pc:spChg chg="mod">
-          <ac:chgData name="성광 교회" userId="cbd53a764bfb2840" providerId="LiveId" clId="{7567DA86-DF62-43C9-B7E4-FBB4E601EFB3}" dt="2021-05-30T01:37:53.216" v="313" actId="27636"/>
-          <ac:spMkLst>
-            <pc:docMk/>
-            <pc:sldMk cId="1054013262" sldId="303"/>
-            <ac:spMk id="2" creationId="{33E00931-5EE3-425F-A766-C8900F0C8C90}"/>
-          </ac:spMkLst>
-        </pc:spChg>
-      </pc:sldChg>
-      <pc:sldChg chg="modSp mod">
-        <pc:chgData name="성광 교회" userId="cbd53a764bfb2840" providerId="LiveId" clId="{7567DA86-DF62-43C9-B7E4-FBB4E601EFB3}" dt="2021-05-30T01:37:00.305" v="280" actId="27636"/>
-        <pc:sldMkLst>
-          <pc:docMk/>
-          <pc:sldMk cId="449703629" sldId="305"/>
-        </pc:sldMkLst>
-        <pc:spChg chg="mod">
-          <ac:chgData name="성광 교회" userId="cbd53a764bfb2840" providerId="LiveId" clId="{7567DA86-DF62-43C9-B7E4-FBB4E601EFB3}" dt="2021-05-30T01:37:00.305" v="280" actId="27636"/>
-          <ac:spMkLst>
-            <pc:docMk/>
-            <pc:sldMk cId="449703629" sldId="305"/>
-            <ac:spMk id="2" creationId="{924B6491-B942-4864-9E41-3CB5749507D4}"/>
-          </ac:spMkLst>
-        </pc:spChg>
-      </pc:sldChg>
-      <pc:sldChg chg="modSp mod">
-        <pc:chgData name="성광 교회" userId="cbd53a764bfb2840" providerId="LiveId" clId="{7567DA86-DF62-43C9-B7E4-FBB4E601EFB3}" dt="2021-05-30T05:10:46.098" v="341" actId="20577"/>
-        <pc:sldMkLst>
-          <pc:docMk/>
-          <pc:sldMk cId="3779209408" sldId="306"/>
-        </pc:sldMkLst>
-        <pc:spChg chg="mod">
-          <ac:chgData name="성광 교회" userId="cbd53a764bfb2840" providerId="LiveId" clId="{7567DA86-DF62-43C9-B7E4-FBB4E601EFB3}" dt="2021-05-30T05:10:46.098" v="341" actId="20577"/>
-          <ac:spMkLst>
-            <pc:docMk/>
-            <pc:sldMk cId="3779209408" sldId="306"/>
-            <ac:spMk id="2" creationId="{924B6491-B942-4864-9E41-3CB5749507D4}"/>
-          </ac:spMkLst>
-        </pc:spChg>
-      </pc:sldChg>
-      <pc:sldChg chg="modSp mod">
-        <pc:chgData name="성광 교회" userId="cbd53a764bfb2840" providerId="LiveId" clId="{7567DA86-DF62-43C9-B7E4-FBB4E601EFB3}" dt="2021-05-30T01:37:17.079" v="294" actId="27636"/>
-        <pc:sldMkLst>
-          <pc:docMk/>
-          <pc:sldMk cId="2232229105" sldId="307"/>
-        </pc:sldMkLst>
-        <pc:spChg chg="mod">
-          <ac:chgData name="성광 교회" userId="cbd53a764bfb2840" providerId="LiveId" clId="{7567DA86-DF62-43C9-B7E4-FBB4E601EFB3}" dt="2021-05-30T01:37:17.079" v="294" actId="27636"/>
-          <ac:spMkLst>
-            <pc:docMk/>
-            <pc:sldMk cId="2232229105" sldId="307"/>
-            <ac:spMk id="2" creationId="{264ACACA-6A84-44F4-AB1E-477DFD3BF190}"/>
-          </ac:spMkLst>
-        </pc:spChg>
-      </pc:sldChg>
-      <pc:sldChg chg="modSp mod">
-        <pc:chgData name="성광 교회" userId="cbd53a764bfb2840" providerId="LiveId" clId="{7567DA86-DF62-43C9-B7E4-FBB4E601EFB3}" dt="2021-05-30T01:38:02.715" v="323" actId="27636"/>
-        <pc:sldMkLst>
-          <pc:docMk/>
-          <pc:sldMk cId="2630437963" sldId="308"/>
-        </pc:sldMkLst>
-        <pc:spChg chg="mod">
-          <ac:chgData name="성광 교회" userId="cbd53a764bfb2840" providerId="LiveId" clId="{7567DA86-DF62-43C9-B7E4-FBB4E601EFB3}" dt="2021-05-30T01:38:02.715" v="323" actId="27636"/>
-          <ac:spMkLst>
-            <pc:docMk/>
-            <pc:sldMk cId="2630437963" sldId="308"/>
-            <ac:spMk id="2" creationId="{924B6491-B942-4864-9E41-3CB5749507D4}"/>
-          </ac:spMkLst>
-        </pc:spChg>
-      </pc:sldChg>
-      <pc:sldChg chg="modSp add mod">
-        <pc:chgData name="성광 교회" userId="cbd53a764bfb2840" providerId="LiveId" clId="{7567DA86-DF62-43C9-B7E4-FBB4E601EFB3}" dt="2021-05-30T01:37:40.167" v="303"/>
-        <pc:sldMkLst>
-          <pc:docMk/>
-          <pc:sldMk cId="443117757" sldId="309"/>
-        </pc:sldMkLst>
-        <pc:spChg chg="mod">
-          <ac:chgData name="성광 교회" userId="cbd53a764bfb2840" providerId="LiveId" clId="{7567DA86-DF62-43C9-B7E4-FBB4E601EFB3}" dt="2021-05-30T01:37:40.167" v="303"/>
-          <ac:spMkLst>
-            <pc:docMk/>
-            <pc:sldMk cId="443117757" sldId="309"/>
-            <ac:spMk id="2" creationId="{00FE92A9-DF5C-47E6-9768-A9DEAF015AC8}"/>
-          </ac:spMkLst>
-        </pc:spChg>
-      </pc:sldChg>
-      <pc:sldChg chg="modSp add mod">
-        <pc:chgData name="성광 교회" userId="cbd53a764bfb2840" providerId="LiveId" clId="{7567DA86-DF62-43C9-B7E4-FBB4E601EFB3}" dt="2021-05-30T01:37:47.520" v="308" actId="27636"/>
-        <pc:sldMkLst>
-          <pc:docMk/>
-          <pc:sldMk cId="4060411953" sldId="310"/>
-        </pc:sldMkLst>
-        <pc:spChg chg="mod">
-          <ac:chgData name="성광 교회" userId="cbd53a764bfb2840" providerId="LiveId" clId="{7567DA86-DF62-43C9-B7E4-FBB4E601EFB3}" dt="2021-05-30T01:37:47.520" v="308" actId="27636"/>
-          <ac:spMkLst>
-            <pc:docMk/>
-            <pc:sldMk cId="4060411953" sldId="310"/>
-            <ac:spMk id="2" creationId="{00FE92A9-DF5C-47E6-9768-A9DEAF015AC8}"/>
-          </ac:spMkLst>
-        </pc:spChg>
-      </pc:sldChg>
-      <pc:sldMasterChg chg="modSldLayout">
-        <pc:chgData name="성광 교회" userId="cbd53a764bfb2840" providerId="LiveId" clId="{7567DA86-DF62-43C9-B7E4-FBB4E601EFB3}" dt="2021-05-30T01:36:49.494" v="263" actId="14100"/>
-        <pc:sldMasterMkLst>
-          <pc:docMk/>
-          <pc:sldMasterMk cId="2435403545" sldId="2147483651"/>
-        </pc:sldMasterMkLst>
-        <pc:sldLayoutChg chg="modSp mod">
-          <pc:chgData name="성광 교회" userId="cbd53a764bfb2840" providerId="LiveId" clId="{7567DA86-DF62-43C9-B7E4-FBB4E601EFB3}" dt="2021-05-30T01:36:49.494" v="263" actId="14100"/>
-          <pc:sldLayoutMkLst>
-            <pc:docMk/>
-            <pc:sldMasterMk cId="2435403545" sldId="2147483651"/>
-            <pc:sldLayoutMk cId="3658685100" sldId="2147483663"/>
-          </pc:sldLayoutMkLst>
-          <pc:spChg chg="mod">
-            <ac:chgData name="성광 교회" userId="cbd53a764bfb2840" providerId="LiveId" clId="{7567DA86-DF62-43C9-B7E4-FBB4E601EFB3}" dt="2021-05-30T01:36:49.494" v="263" actId="14100"/>
-            <ac:spMkLst>
-              <pc:docMk/>
-              <pc:sldMasterMk cId="2435403545" sldId="2147483651"/>
-              <pc:sldLayoutMk cId="3658685100" sldId="2147483663"/>
-              <ac:spMk id="3" creationId="{E995AC3C-A642-42DA-85B8-EEBBCDF1369F}"/>
-            </ac:spMkLst>
-          </pc:spChg>
-        </pc:sldLayoutChg>
-      </pc:sldMasterChg>
-    </pc:docChg>
-  </pc:docChgLst>
-  <pc:docChgLst>
     <pc:chgData name="성광 교회" userId="cbd53a764bfb2840" providerId="LiveId" clId="{916D28A0-0FE8-4CAA-BE0C-E807DB7DD8B5}"/>
     <pc:docChg chg="custSel addSld delSld modSld sldOrd modMainMaster">
       <pc:chgData name="성광 교회" userId="cbd53a764bfb2840" providerId="LiveId" clId="{916D28A0-0FE8-4CAA-BE0C-E807DB7DD8B5}" dt="2020-11-08T02:53:19.157" v="289" actId="20577"/>
@@ -1198,201 +1393,6 @@
       </pc:sldMasterChg>
     </pc:docChg>
   </pc:docChgLst>
-  <pc:docChgLst>
-    <pc:chgData name="성광 교회" userId="cbd53a764bfb2840" providerId="LiveId" clId="{79E5B231-42B9-4C11-85FB-6F1C289AC7C9}"/>
-    <pc:docChg chg="custSel addSld delSld modSld">
-      <pc:chgData name="성광 교회" userId="cbd53a764bfb2840" providerId="LiveId" clId="{79E5B231-42B9-4C11-85FB-6F1C289AC7C9}" dt="2020-12-06T01:57:35.211" v="303" actId="20577"/>
-      <pc:docMkLst>
-        <pc:docMk/>
-      </pc:docMkLst>
-      <pc:sldChg chg="modSp mod">
-        <pc:chgData name="성광 교회" userId="cbd53a764bfb2840" providerId="LiveId" clId="{79E5B231-42B9-4C11-85FB-6F1C289AC7C9}" dt="2020-12-06T01:29:38.497" v="120" actId="20577"/>
-        <pc:sldMkLst>
-          <pc:docMk/>
-          <pc:sldMk cId="6136223" sldId="289"/>
-        </pc:sldMkLst>
-        <pc:spChg chg="mod">
-          <ac:chgData name="성광 교회" userId="cbd53a764bfb2840" providerId="LiveId" clId="{79E5B231-42B9-4C11-85FB-6F1C289AC7C9}" dt="2020-12-06T01:29:38.497" v="120" actId="20577"/>
-          <ac:spMkLst>
-            <pc:docMk/>
-            <pc:sldMk cId="6136223" sldId="289"/>
-            <ac:spMk id="2" creationId="{264ACACA-6A84-44F4-AB1E-477DFD3BF190}"/>
-          </ac:spMkLst>
-        </pc:spChg>
-      </pc:sldChg>
-      <pc:sldChg chg="modSp mod">
-        <pc:chgData name="성광 교회" userId="cbd53a764bfb2840" providerId="LiveId" clId="{79E5B231-42B9-4C11-85FB-6F1C289AC7C9}" dt="2020-12-06T01:29:59.355" v="166"/>
-        <pc:sldMkLst>
-          <pc:docMk/>
-          <pc:sldMk cId="2842148607" sldId="290"/>
-        </pc:sldMkLst>
-        <pc:spChg chg="mod">
-          <ac:chgData name="성광 교회" userId="cbd53a764bfb2840" providerId="LiveId" clId="{79E5B231-42B9-4C11-85FB-6F1C289AC7C9}" dt="2020-12-06T01:29:59.355" v="166"/>
-          <ac:spMkLst>
-            <pc:docMk/>
-            <pc:sldMk cId="2842148607" sldId="290"/>
-            <ac:spMk id="2" creationId="{980FE6B4-99F1-44F5-AF6D-9D86CF49D84E}"/>
-          </ac:spMkLst>
-        </pc:spChg>
-      </pc:sldChg>
-      <pc:sldChg chg="modSp mod">
-        <pc:chgData name="성광 교회" userId="cbd53a764bfb2840" providerId="LiveId" clId="{79E5B231-42B9-4C11-85FB-6F1C289AC7C9}" dt="2020-12-06T01:30:07.743" v="182"/>
-        <pc:sldMkLst>
-          <pc:docMk/>
-          <pc:sldMk cId="3645545145" sldId="291"/>
-        </pc:sldMkLst>
-        <pc:spChg chg="mod">
-          <ac:chgData name="성광 교회" userId="cbd53a764bfb2840" providerId="LiveId" clId="{79E5B231-42B9-4C11-85FB-6F1C289AC7C9}" dt="2020-12-06T01:30:07.743" v="182"/>
-          <ac:spMkLst>
-            <pc:docMk/>
-            <pc:sldMk cId="3645545145" sldId="291"/>
-            <ac:spMk id="2" creationId="{B2BC3A99-ED60-44A1-B611-316E87979C4B}"/>
-          </ac:spMkLst>
-        </pc:spChg>
-      </pc:sldChg>
-      <pc:sldChg chg="modSp mod">
-        <pc:chgData name="성광 교회" userId="cbd53a764bfb2840" providerId="LiveId" clId="{79E5B231-42B9-4C11-85FB-6F1C289AC7C9}" dt="2020-12-06T01:30:13.513" v="191" actId="20577"/>
-        <pc:sldMkLst>
-          <pc:docMk/>
-          <pc:sldMk cId="3133315123" sldId="292"/>
-        </pc:sldMkLst>
-        <pc:spChg chg="mod">
-          <ac:chgData name="성광 교회" userId="cbd53a764bfb2840" providerId="LiveId" clId="{79E5B231-42B9-4C11-85FB-6F1C289AC7C9}" dt="2020-12-06T01:30:13.513" v="191" actId="20577"/>
-          <ac:spMkLst>
-            <pc:docMk/>
-            <pc:sldMk cId="3133315123" sldId="292"/>
-            <ac:spMk id="2" creationId="{E4F10768-9069-4C1E-817D-15FE7109ABA6}"/>
-          </ac:spMkLst>
-        </pc:spChg>
-      </pc:sldChg>
-      <pc:sldChg chg="modSp mod">
-        <pc:chgData name="성광 교회" userId="cbd53a764bfb2840" providerId="LiveId" clId="{79E5B231-42B9-4C11-85FB-6F1C289AC7C9}" dt="2020-12-06T01:30:24.229" v="225"/>
-        <pc:sldMkLst>
-          <pc:docMk/>
-          <pc:sldMk cId="184537040" sldId="293"/>
-        </pc:sldMkLst>
-        <pc:spChg chg="mod">
-          <ac:chgData name="성광 교회" userId="cbd53a764bfb2840" providerId="LiveId" clId="{79E5B231-42B9-4C11-85FB-6F1C289AC7C9}" dt="2020-12-06T01:30:24.229" v="225"/>
-          <ac:spMkLst>
-            <pc:docMk/>
-            <pc:sldMk cId="184537040" sldId="293"/>
-            <ac:spMk id="2" creationId="{00FE92A9-DF5C-47E6-9768-A9DEAF015AC8}"/>
-          </ac:spMkLst>
-        </pc:spChg>
-      </pc:sldChg>
-      <pc:sldChg chg="modSp mod">
-        <pc:chgData name="성광 교회" userId="cbd53a764bfb2840" providerId="LiveId" clId="{79E5B231-42B9-4C11-85FB-6F1C289AC7C9}" dt="2020-12-06T01:30:32.476" v="263"/>
-        <pc:sldMkLst>
-          <pc:docMk/>
-          <pc:sldMk cId="1810675034" sldId="294"/>
-        </pc:sldMkLst>
-        <pc:spChg chg="mod">
-          <ac:chgData name="성광 교회" userId="cbd53a764bfb2840" providerId="LiveId" clId="{79E5B231-42B9-4C11-85FB-6F1C289AC7C9}" dt="2020-12-06T01:30:32.476" v="263"/>
-          <ac:spMkLst>
-            <pc:docMk/>
-            <pc:sldMk cId="1810675034" sldId="294"/>
-            <ac:spMk id="2" creationId="{C8AB262B-11FA-4922-AD9C-1A2B02E86199}"/>
-          </ac:spMkLst>
-        </pc:spChg>
-      </pc:sldChg>
-      <pc:sldChg chg="modSp mod">
-        <pc:chgData name="성광 교회" userId="cbd53a764bfb2840" providerId="LiveId" clId="{79E5B231-42B9-4C11-85FB-6F1C289AC7C9}" dt="2020-12-06T01:30:50.949" v="291"/>
-        <pc:sldMkLst>
-          <pc:docMk/>
-          <pc:sldMk cId="2298706695" sldId="295"/>
-        </pc:sldMkLst>
-        <pc:spChg chg="mod">
-          <ac:chgData name="성광 교회" userId="cbd53a764bfb2840" providerId="LiveId" clId="{79E5B231-42B9-4C11-85FB-6F1C289AC7C9}" dt="2020-12-06T01:30:50.949" v="291"/>
-          <ac:spMkLst>
-            <pc:docMk/>
-            <pc:sldMk cId="2298706695" sldId="295"/>
-            <ac:spMk id="2" creationId="{33E00931-5EE3-425F-A766-C8900F0C8C90}"/>
-          </ac:spMkLst>
-        </pc:spChg>
-      </pc:sldChg>
-      <pc:sldChg chg="modSp mod">
-        <pc:chgData name="성광 교회" userId="cbd53a764bfb2840" providerId="LiveId" clId="{79E5B231-42B9-4C11-85FB-6F1C289AC7C9}" dt="2020-12-06T01:29:30.461" v="94"/>
-        <pc:sldMkLst>
-          <pc:docMk/>
-          <pc:sldMk cId="1798717185" sldId="300"/>
-        </pc:sldMkLst>
-        <pc:spChg chg="mod">
-          <ac:chgData name="성광 교회" userId="cbd53a764bfb2840" providerId="LiveId" clId="{79E5B231-42B9-4C11-85FB-6F1C289AC7C9}" dt="2020-12-06T01:29:30.461" v="94"/>
-          <ac:spMkLst>
-            <pc:docMk/>
-            <pc:sldMk cId="1798717185" sldId="300"/>
-            <ac:spMk id="2" creationId="{C55F5694-1BB1-46CE-AF04-50746B94B134}"/>
-          </ac:spMkLst>
-        </pc:spChg>
-      </pc:sldChg>
-      <pc:sldChg chg="del">
-        <pc:chgData name="성광 교회" userId="cbd53a764bfb2840" providerId="LiveId" clId="{79E5B231-42B9-4C11-85FB-6F1C289AC7C9}" dt="2020-12-06T01:29:49.440" v="135" actId="47"/>
-        <pc:sldMkLst>
-          <pc:docMk/>
-          <pc:sldMk cId="3277750250" sldId="301"/>
-        </pc:sldMkLst>
-      </pc:sldChg>
-      <pc:sldChg chg="del">
-        <pc:chgData name="성광 교회" userId="cbd53a764bfb2840" providerId="LiveId" clId="{79E5B231-42B9-4C11-85FB-6F1C289AC7C9}" dt="2020-12-06T01:29:18.120" v="63" actId="47"/>
-        <pc:sldMkLst>
-          <pc:docMk/>
-          <pc:sldMk cId="2097190771" sldId="302"/>
-        </pc:sldMkLst>
-      </pc:sldChg>
-      <pc:sldChg chg="del">
-        <pc:chgData name="성광 교회" userId="cbd53a764bfb2840" providerId="LiveId" clId="{79E5B231-42B9-4C11-85FB-6F1C289AC7C9}" dt="2020-12-06T01:29:17.631" v="62" actId="47"/>
-        <pc:sldMkLst>
-          <pc:docMk/>
-          <pc:sldMk cId="3506231790" sldId="304"/>
-        </pc:sldMkLst>
-      </pc:sldChg>
-      <pc:sldChg chg="modSp add mod">
-        <pc:chgData name="성광 교회" userId="cbd53a764bfb2840" providerId="LiveId" clId="{79E5B231-42B9-4C11-85FB-6F1C289AC7C9}" dt="2020-12-06T01:29:09.069" v="40" actId="5793"/>
-        <pc:sldMkLst>
-          <pc:docMk/>
-          <pc:sldMk cId="449703629" sldId="305"/>
-        </pc:sldMkLst>
-        <pc:spChg chg="mod">
-          <ac:chgData name="성광 교회" userId="cbd53a764bfb2840" providerId="LiveId" clId="{79E5B231-42B9-4C11-85FB-6F1C289AC7C9}" dt="2020-12-06T01:29:09.069" v="40" actId="5793"/>
-          <ac:spMkLst>
-            <pc:docMk/>
-            <pc:sldMk cId="449703629" sldId="305"/>
-            <ac:spMk id="2" creationId="{924B6491-B942-4864-9E41-3CB5749507D4}"/>
-          </ac:spMkLst>
-        </pc:spChg>
-      </pc:sldChg>
-      <pc:sldChg chg="modSp add mod">
-        <pc:chgData name="성광 교회" userId="cbd53a764bfb2840" providerId="LiveId" clId="{79E5B231-42B9-4C11-85FB-6F1C289AC7C9}" dt="2020-12-06T01:57:35.211" v="303" actId="20577"/>
-        <pc:sldMkLst>
-          <pc:docMk/>
-          <pc:sldMk cId="3779209408" sldId="306"/>
-        </pc:sldMkLst>
-        <pc:spChg chg="mod">
-          <ac:chgData name="성광 교회" userId="cbd53a764bfb2840" providerId="LiveId" clId="{79E5B231-42B9-4C11-85FB-6F1C289AC7C9}" dt="2020-12-06T01:57:35.211" v="303" actId="20577"/>
-          <ac:spMkLst>
-            <pc:docMk/>
-            <pc:sldMk cId="3779209408" sldId="306"/>
-            <ac:spMk id="2" creationId="{924B6491-B942-4864-9E41-3CB5749507D4}"/>
-          </ac:spMkLst>
-        </pc:spChg>
-      </pc:sldChg>
-      <pc:sldChg chg="modSp add mod">
-        <pc:chgData name="성광 교회" userId="cbd53a764bfb2840" providerId="LiveId" clId="{79E5B231-42B9-4C11-85FB-6F1C289AC7C9}" dt="2020-12-06T01:29:48.829" v="134"/>
-        <pc:sldMkLst>
-          <pc:docMk/>
-          <pc:sldMk cId="2232229105" sldId="307"/>
-        </pc:sldMkLst>
-        <pc:spChg chg="mod">
-          <ac:chgData name="성광 교회" userId="cbd53a764bfb2840" providerId="LiveId" clId="{79E5B231-42B9-4C11-85FB-6F1C289AC7C9}" dt="2020-12-06T01:29:48.829" v="134"/>
-          <ac:spMkLst>
-            <pc:docMk/>
-            <pc:sldMk cId="2232229105" sldId="307"/>
-            <ac:spMk id="2" creationId="{264ACACA-6A84-44F4-AB1E-477DFD3BF190}"/>
-          </ac:spMkLst>
-        </pc:spChg>
-      </pc:sldChg>
-    </pc:docChg>
-  </pc:docChgLst>
 </pc:chgInfo>
 </file>
 
@@ -1490,7 +1490,7 @@
           <a:p>
             <a:fld id="{CEBB1FA2-82EA-459B-8606-06E857DA57AA}" type="datetimeFigureOut">
               <a:rPr lang="ko-KR" altLang="en-US" smtClean="0"/>
-              <a:t>2021-05-30</a:t>
+              <a:t>2021-07-04</a:t>
             </a:fld>
             <a:endParaRPr lang="ko-KR" altLang="en-US"/>
           </a:p>
@@ -1716,7 +1716,7 @@
           <a:p>
             <a:fld id="{C764DE79-268F-4C1A-8933-263129D2AF90}" type="datetimeFigureOut">
               <a:rPr lang="en-US" dirty="0"/>
-              <a:t>5/30/2021</a:t>
+              <a:t>7/4/2021</a:t>
             </a:fld>
             <a:endParaRPr lang="en-US" dirty="0"/>
           </a:p>
@@ -1886,7 +1886,7 @@
           <a:p>
             <a:fld id="{C764DE79-268F-4C1A-8933-263129D2AF90}" type="datetimeFigureOut">
               <a:rPr lang="en-US" dirty="0"/>
-              <a:t>5/30/2021</a:t>
+              <a:t>7/4/2021</a:t>
             </a:fld>
             <a:endParaRPr lang="en-US" dirty="0"/>
           </a:p>
@@ -2066,7 +2066,7 @@
           <a:p>
             <a:fld id="{C764DE79-268F-4C1A-8933-263129D2AF90}" type="datetimeFigureOut">
               <a:rPr lang="en-US" dirty="0"/>
-              <a:t>5/30/2021</a:t>
+              <a:t>7/4/2021</a:t>
             </a:fld>
             <a:endParaRPr lang="en-US" dirty="0"/>
           </a:p>
@@ -2297,7 +2297,7 @@
           <a:p>
             <a:fld id="{A73190B8-346B-4372-9AFC-F7A0D044465E}" type="datetimeFigureOut">
               <a:rPr lang="ko-KR" altLang="en-US" smtClean="0"/>
-              <a:t>2021-05-30</a:t>
+              <a:t>2021-07-04</a:t>
             </a:fld>
             <a:endParaRPr lang="ko-KR" altLang="en-US"/>
           </a:p>
@@ -2471,7 +2471,7 @@
           <a:p>
             <a:fld id="{A73190B8-346B-4372-9AFC-F7A0D044465E}" type="datetimeFigureOut">
               <a:rPr lang="ko-KR" altLang="en-US" smtClean="0"/>
-              <a:t>2021-05-30</a:t>
+              <a:t>2021-07-04</a:t>
             </a:fld>
             <a:endParaRPr lang="ko-KR" altLang="en-US"/>
           </a:p>
@@ -2645,7 +2645,7 @@
           <a:p>
             <a:fld id="{A73190B8-346B-4372-9AFC-F7A0D044465E}" type="datetimeFigureOut">
               <a:rPr lang="ko-KR" altLang="en-US" smtClean="0"/>
-              <a:t>2021-05-30</a:t>
+              <a:t>2021-07-04</a:t>
             </a:fld>
             <a:endParaRPr lang="ko-KR" altLang="en-US"/>
           </a:p>
@@ -2819,7 +2819,7 @@
           <a:p>
             <a:fld id="{A73190B8-346B-4372-9AFC-F7A0D044465E}" type="datetimeFigureOut">
               <a:rPr lang="ko-KR" altLang="en-US" smtClean="0"/>
-              <a:t>2021-05-30</a:t>
+              <a:t>2021-07-04</a:t>
             </a:fld>
             <a:endParaRPr lang="ko-KR" altLang="en-US"/>
           </a:p>
@@ -2993,7 +2993,7 @@
           <a:p>
             <a:fld id="{A73190B8-346B-4372-9AFC-F7A0D044465E}" type="datetimeFigureOut">
               <a:rPr lang="ko-KR" altLang="en-US" smtClean="0"/>
-              <a:t>2021-05-30</a:t>
+              <a:t>2021-07-04</a:t>
             </a:fld>
             <a:endParaRPr lang="ko-KR" altLang="en-US"/>
           </a:p>
@@ -3167,7 +3167,7 @@
           <a:p>
             <a:fld id="{A73190B8-346B-4372-9AFC-F7A0D044465E}" type="datetimeFigureOut">
               <a:rPr lang="ko-KR" altLang="en-US" smtClean="0"/>
-              <a:t>2021-05-30</a:t>
+              <a:t>2021-07-04</a:t>
             </a:fld>
             <a:endParaRPr lang="ko-KR" altLang="en-US"/>
           </a:p>
@@ -3341,7 +3341,7 @@
           <a:p>
             <a:fld id="{A73190B8-346B-4372-9AFC-F7A0D044465E}" type="datetimeFigureOut">
               <a:rPr lang="ko-KR" altLang="en-US" smtClean="0"/>
-              <a:t>2021-05-30</a:t>
+              <a:t>2021-07-04</a:t>
             </a:fld>
             <a:endParaRPr lang="ko-KR" altLang="en-US"/>
           </a:p>
@@ -3539,7 +3539,7 @@
           <a:p>
             <a:fld id="{C764DE79-268F-4C1A-8933-263129D2AF90}" type="datetimeFigureOut">
               <a:rPr lang="en-US" dirty="0"/>
-              <a:t>5/30/2021</a:t>
+              <a:t>7/4/2021</a:t>
             </a:fld>
             <a:endParaRPr lang="en-US" dirty="0"/>
           </a:p>
@@ -3685,7 +3685,7 @@
           <a:p>
             <a:fld id="{A73190B8-346B-4372-9AFC-F7A0D044465E}" type="datetimeFigureOut">
               <a:rPr lang="ko-KR" altLang="en-US" smtClean="0"/>
-              <a:t>2021-05-30</a:t>
+              <a:t>2021-07-04</a:t>
             </a:fld>
             <a:endParaRPr lang="ko-KR" altLang="en-US"/>
           </a:p>
@@ -3859,7 +3859,7 @@
           <a:p>
             <a:fld id="{A73190B8-346B-4372-9AFC-F7A0D044465E}" type="datetimeFigureOut">
               <a:rPr lang="ko-KR" altLang="en-US" smtClean="0"/>
-              <a:t>2021-05-30</a:t>
+              <a:t>2021-07-04</a:t>
             </a:fld>
             <a:endParaRPr lang="ko-KR" altLang="en-US"/>
           </a:p>
@@ -4033,7 +4033,7 @@
           <a:p>
             <a:fld id="{A73190B8-346B-4372-9AFC-F7A0D044465E}" type="datetimeFigureOut">
               <a:rPr lang="ko-KR" altLang="en-US" smtClean="0"/>
-              <a:t>2021-05-30</a:t>
+              <a:t>2021-07-04</a:t>
             </a:fld>
             <a:endParaRPr lang="ko-KR" altLang="en-US"/>
           </a:p>
@@ -4207,7 +4207,7 @@
           <a:p>
             <a:fld id="{A73190B8-346B-4372-9AFC-F7A0D044465E}" type="datetimeFigureOut">
               <a:rPr lang="ko-KR" altLang="en-US" smtClean="0"/>
-              <a:t>2021-05-30</a:t>
+              <a:t>2021-07-04</a:t>
             </a:fld>
             <a:endParaRPr lang="ko-KR" altLang="en-US"/>
           </a:p>
@@ -4381,7 +4381,7 @@
           <a:p>
             <a:fld id="{A73190B8-346B-4372-9AFC-F7A0D044465E}" type="datetimeFigureOut">
               <a:rPr lang="ko-KR" altLang="en-US" smtClean="0"/>
-              <a:t>2021-05-30</a:t>
+              <a:t>2021-07-04</a:t>
             </a:fld>
             <a:endParaRPr lang="ko-KR" altLang="en-US"/>
           </a:p>
@@ -4555,7 +4555,7 @@
           <a:p>
             <a:fld id="{A73190B8-346B-4372-9AFC-F7A0D044465E}" type="datetimeFigureOut">
               <a:rPr lang="ko-KR" altLang="en-US" smtClean="0"/>
-              <a:t>2021-05-30</a:t>
+              <a:t>2021-07-04</a:t>
             </a:fld>
             <a:endParaRPr lang="ko-KR" altLang="en-US"/>
           </a:p>
@@ -4729,7 +4729,7 @@
           <a:p>
             <a:fld id="{A73190B8-346B-4372-9AFC-F7A0D044465E}" type="datetimeFigureOut">
               <a:rPr lang="ko-KR" altLang="en-US" smtClean="0"/>
-              <a:t>2021-05-30</a:t>
+              <a:t>2021-07-04</a:t>
             </a:fld>
             <a:endParaRPr lang="ko-KR" altLang="en-US"/>
           </a:p>
@@ -4903,7 +4903,7 @@
           <a:p>
             <a:fld id="{A73190B8-346B-4372-9AFC-F7A0D044465E}" type="datetimeFigureOut">
               <a:rPr lang="ko-KR" altLang="en-US" smtClean="0"/>
-              <a:t>2021-05-30</a:t>
+              <a:t>2021-07-04</a:t>
             </a:fld>
             <a:endParaRPr lang="ko-KR" altLang="en-US"/>
           </a:p>
@@ -5077,7 +5077,7 @@
           <a:p>
             <a:fld id="{A73190B8-346B-4372-9AFC-F7A0D044465E}" type="datetimeFigureOut">
               <a:rPr lang="ko-KR" altLang="en-US" smtClean="0"/>
-              <a:t>2021-05-30</a:t>
+              <a:t>2021-07-04</a:t>
             </a:fld>
             <a:endParaRPr lang="ko-KR" altLang="en-US"/>
           </a:p>
@@ -5251,7 +5251,7 @@
           <a:p>
             <a:fld id="{A73190B8-346B-4372-9AFC-F7A0D044465E}" type="datetimeFigureOut">
               <a:rPr lang="ko-KR" altLang="en-US" smtClean="0"/>
-              <a:t>2021-05-30</a:t>
+              <a:t>2021-07-04</a:t>
             </a:fld>
             <a:endParaRPr lang="ko-KR" altLang="en-US"/>
           </a:p>
@@ -5523,7 +5523,7 @@
           <a:p>
             <a:fld id="{C764DE79-268F-4C1A-8933-263129D2AF90}" type="datetimeFigureOut">
               <a:rPr lang="en-US" dirty="0"/>
-              <a:t>5/30/2021</a:t>
+              <a:t>7/4/2021</a:t>
             </a:fld>
             <a:endParaRPr lang="en-US" dirty="0"/>
           </a:p>
@@ -5669,7 +5669,7 @@
           <a:p>
             <a:fld id="{A73190B8-346B-4372-9AFC-F7A0D044465E}" type="datetimeFigureOut">
               <a:rPr lang="ko-KR" altLang="en-US" smtClean="0"/>
-              <a:t>2021-05-30</a:t>
+              <a:t>2021-07-04</a:t>
             </a:fld>
             <a:endParaRPr lang="ko-KR" altLang="en-US"/>
           </a:p>
@@ -5843,7 +5843,7 @@
           <a:p>
             <a:fld id="{A73190B8-346B-4372-9AFC-F7A0D044465E}" type="datetimeFigureOut">
               <a:rPr lang="ko-KR" altLang="en-US" smtClean="0"/>
-              <a:t>2021-05-30</a:t>
+              <a:t>2021-07-04</a:t>
             </a:fld>
             <a:endParaRPr lang="ko-KR" altLang="en-US"/>
           </a:p>
@@ -6017,7 +6017,7 @@
           <a:p>
             <a:fld id="{A73190B8-346B-4372-9AFC-F7A0D044465E}" type="datetimeFigureOut">
               <a:rPr lang="ko-KR" altLang="en-US" smtClean="0"/>
-              <a:t>2021-05-30</a:t>
+              <a:t>2021-07-04</a:t>
             </a:fld>
             <a:endParaRPr lang="ko-KR" altLang="en-US"/>
           </a:p>
@@ -6191,7 +6191,7 @@
           <a:p>
             <a:fld id="{A73190B8-346B-4372-9AFC-F7A0D044465E}" type="datetimeFigureOut">
               <a:rPr lang="ko-KR" altLang="en-US" smtClean="0"/>
-              <a:t>2021-05-30</a:t>
+              <a:t>2021-07-04</a:t>
             </a:fld>
             <a:endParaRPr lang="ko-KR" altLang="en-US"/>
           </a:p>
@@ -6365,7 +6365,7 @@
           <a:p>
             <a:fld id="{A73190B8-346B-4372-9AFC-F7A0D044465E}" type="datetimeFigureOut">
               <a:rPr lang="ko-KR" altLang="en-US" smtClean="0"/>
-              <a:t>2021-05-30</a:t>
+              <a:t>2021-07-04</a:t>
             </a:fld>
             <a:endParaRPr lang="ko-KR" altLang="en-US"/>
           </a:p>
@@ -6539,7 +6539,7 @@
           <a:p>
             <a:fld id="{A73190B8-346B-4372-9AFC-F7A0D044465E}" type="datetimeFigureOut">
               <a:rPr lang="ko-KR" altLang="en-US" smtClean="0"/>
-              <a:t>2021-05-30</a:t>
+              <a:t>2021-07-04</a:t>
             </a:fld>
             <a:endParaRPr lang="ko-KR" altLang="en-US"/>
           </a:p>
@@ -6778,7 +6778,7 @@
           <a:p>
             <a:fld id="{6D715D21-7472-4DA1-9632-F7B9231C243B}" type="datetimeFigureOut">
               <a:rPr lang="ko-KR" altLang="en-US" smtClean="0"/>
-              <a:t>2021-05-30</a:t>
+              <a:t>2021-07-04</a:t>
             </a:fld>
             <a:endParaRPr lang="ko-KR" altLang="en-US"/>
           </a:p>
@@ -6984,7 +6984,7 @@
           <a:p>
             <a:fld id="{6D715D21-7472-4DA1-9632-F7B9231C243B}" type="datetimeFigureOut">
               <a:rPr lang="ko-KR" altLang="en-US" smtClean="0"/>
-              <a:t>2021-05-30</a:t>
+              <a:t>2021-07-04</a:t>
             </a:fld>
             <a:endParaRPr lang="ko-KR" altLang="en-US"/>
           </a:p>
@@ -7262,7 +7262,7 @@
           <a:p>
             <a:fld id="{6D715D21-7472-4DA1-9632-F7B9231C243B}" type="datetimeFigureOut">
               <a:rPr lang="ko-KR" altLang="en-US" smtClean="0"/>
-              <a:t>2021-05-30</a:t>
+              <a:t>2021-07-04</a:t>
             </a:fld>
             <a:endParaRPr lang="ko-KR" altLang="en-US"/>
           </a:p>
@@ -7535,7 +7535,7 @@
           <a:p>
             <a:fld id="{6D715D21-7472-4DA1-9632-F7B9231C243B}" type="datetimeFigureOut">
               <a:rPr lang="ko-KR" altLang="en-US" smtClean="0"/>
-              <a:t>2021-05-30</a:t>
+              <a:t>2021-07-04</a:t>
             </a:fld>
             <a:endParaRPr lang="ko-KR" altLang="en-US"/>
           </a:p>
@@ -7779,7 +7779,7 @@
           <a:p>
             <a:fld id="{C764DE79-268F-4C1A-8933-263129D2AF90}" type="datetimeFigureOut">
               <a:rPr lang="en-US" dirty="0"/>
-              <a:t>5/30/2021</a:t>
+              <a:t>7/4/2021</a:t>
             </a:fld>
             <a:endParaRPr lang="en-US" dirty="0"/>
           </a:p>
@@ -8182,7 +8182,7 @@
           <a:p>
             <a:fld id="{6D715D21-7472-4DA1-9632-F7B9231C243B}" type="datetimeFigureOut">
               <a:rPr lang="ko-KR" altLang="en-US" smtClean="0"/>
-              <a:t>2021-05-30</a:t>
+              <a:t>2021-07-04</a:t>
             </a:fld>
             <a:endParaRPr lang="ko-KR" altLang="en-US"/>
           </a:p>
@@ -8331,7 +8331,7 @@
           <a:p>
             <a:fld id="{6D715D21-7472-4DA1-9632-F7B9231C243B}" type="datetimeFigureOut">
               <a:rPr lang="ko-KR" altLang="en-US" smtClean="0"/>
-              <a:t>2021-05-30</a:t>
+              <a:t>2021-07-04</a:t>
             </a:fld>
             <a:endParaRPr lang="ko-KR" altLang="en-US"/>
           </a:p>
@@ -8444,7 +8444,7 @@
           <a:p>
             <a:fld id="{6D715D21-7472-4DA1-9632-F7B9231C243B}" type="datetimeFigureOut">
               <a:rPr lang="ko-KR" altLang="en-US" smtClean="0"/>
-              <a:t>2021-05-30</a:t>
+              <a:t>2021-07-04</a:t>
             </a:fld>
             <a:endParaRPr lang="ko-KR" altLang="en-US"/>
           </a:p>
@@ -8758,7 +8758,7 @@
           <a:p>
             <a:fld id="{6D715D21-7472-4DA1-9632-F7B9231C243B}" type="datetimeFigureOut">
               <a:rPr lang="ko-KR" altLang="en-US" smtClean="0"/>
-              <a:t>2021-05-30</a:t>
+              <a:t>2021-07-04</a:t>
             </a:fld>
             <a:endParaRPr lang="ko-KR" altLang="en-US"/>
           </a:p>
@@ -9049,7 +9049,7 @@
           <a:p>
             <a:fld id="{6D715D21-7472-4DA1-9632-F7B9231C243B}" type="datetimeFigureOut">
               <a:rPr lang="ko-KR" altLang="en-US" smtClean="0"/>
-              <a:t>2021-05-30</a:t>
+              <a:t>2021-07-04</a:t>
             </a:fld>
             <a:endParaRPr lang="ko-KR" altLang="en-US"/>
           </a:p>
@@ -9255,7 +9255,7 @@
           <a:p>
             <a:fld id="{6D715D21-7472-4DA1-9632-F7B9231C243B}" type="datetimeFigureOut">
               <a:rPr lang="ko-KR" altLang="en-US" smtClean="0"/>
-              <a:t>2021-05-30</a:t>
+              <a:t>2021-07-04</a:t>
             </a:fld>
             <a:endParaRPr lang="ko-KR" altLang="en-US"/>
           </a:p>
@@ -9466,7 +9466,7 @@
           <a:p>
             <a:fld id="{6D715D21-7472-4DA1-9632-F7B9231C243B}" type="datetimeFigureOut">
               <a:rPr lang="ko-KR" altLang="en-US" smtClean="0"/>
-              <a:t>2021-05-30</a:t>
+              <a:t>2021-07-04</a:t>
             </a:fld>
             <a:endParaRPr lang="ko-KR" altLang="en-US"/>
           </a:p>
@@ -9845,7 +9845,7 @@
           <a:p>
             <a:fld id="{C764DE79-268F-4C1A-8933-263129D2AF90}" type="datetimeFigureOut">
               <a:rPr lang="en-US" dirty="0"/>
-              <a:t>5/30/2021</a:t>
+              <a:t>7/4/2021</a:t>
             </a:fld>
             <a:endParaRPr lang="en-US" dirty="0"/>
           </a:p>
@@ -9963,7 +9963,7 @@
           <a:p>
             <a:fld id="{C764DE79-268F-4C1A-8933-263129D2AF90}" type="datetimeFigureOut">
               <a:rPr lang="en-US" dirty="0"/>
-              <a:t>5/30/2021</a:t>
+              <a:t>7/4/2021</a:t>
             </a:fld>
             <a:endParaRPr lang="en-US" dirty="0"/>
           </a:p>
@@ -10058,7 +10058,7 @@
           <a:p>
             <a:fld id="{C764DE79-268F-4C1A-8933-263129D2AF90}" type="datetimeFigureOut">
               <a:rPr lang="en-US" dirty="0"/>
-              <a:t>5/30/2021</a:t>
+              <a:t>7/4/2021</a:t>
             </a:fld>
             <a:endParaRPr lang="en-US" dirty="0"/>
           </a:p>
@@ -10335,7 +10335,7 @@
           <a:p>
             <a:fld id="{C764DE79-268F-4C1A-8933-263129D2AF90}" type="datetimeFigureOut">
               <a:rPr lang="en-US" dirty="0"/>
-              <a:t>5/30/2021</a:t>
+              <a:t>7/4/2021</a:t>
             </a:fld>
             <a:endParaRPr lang="en-US" dirty="0"/>
           </a:p>
@@ -10592,7 +10592,7 @@
           <a:p>
             <a:fld id="{C764DE79-268F-4C1A-8933-263129D2AF90}" type="datetimeFigureOut">
               <a:rPr lang="en-US" dirty="0"/>
-              <a:t>5/30/2021</a:t>
+              <a:t>7/4/2021</a:t>
             </a:fld>
             <a:endParaRPr lang="en-US" dirty="0"/>
           </a:p>
@@ -10805,7 +10805,7 @@
           <a:p>
             <a:fld id="{C764DE79-268F-4C1A-8933-263129D2AF90}" type="datetimeFigureOut">
               <a:rPr lang="en-US" dirty="0"/>
-              <a:t>5/30/2021</a:t>
+              <a:t>7/4/2021</a:t>
             </a:fld>
             <a:endParaRPr lang="en-US" dirty="0"/>
           </a:p>
@@ -11322,7 +11322,7 @@
           <a:p>
             <a:fld id="{6D715D21-7472-4DA1-9632-F7B9231C243B}" type="datetimeFigureOut">
               <a:rPr lang="ko-KR" altLang="en-US" smtClean="0"/>
-              <a:t>2021-05-30</a:t>
+              <a:t>2021-07-04</a:t>
             </a:fld>
             <a:endParaRPr lang="ko-KR" altLang="en-US"/>
           </a:p>
@@ -11824,10 +11824,10 @@
       </p:grpSpPr>
       <p:sp>
         <p:nvSpPr>
-          <p:cNvPr id="2" name="내용 개체 틀 1">
-            <a:extLst>
-              <a:ext uri="{FF2B5EF4-FFF2-40B4-BE49-F238E27FC236}">
-                <a16:creationId xmlns:a16="http://schemas.microsoft.com/office/drawing/2014/main" id="{E4F10768-9069-4C1E-817D-15FE7109ABA6}"/>
+          <p:cNvPr id="4" name="내용 개체 틀 3">
+            <a:extLst>
+              <a:ext uri="{FF2B5EF4-FFF2-40B4-BE49-F238E27FC236}">
+                <a16:creationId xmlns:a16="http://schemas.microsoft.com/office/drawing/2014/main" id="{0B68E37B-F287-46F5-A630-E7F73EC98450}"/>
               </a:ext>
             </a:extLst>
           </p:cNvPr>
@@ -11838,40 +11838,32 @@
             <p:ph idx="1"/>
           </p:nvPr>
         </p:nvSpPr>
-        <p:spPr>
-          <a:xfrm>
-            <a:off x="0" y="5486400"/>
-            <a:ext cx="9144000" cy="1207698"/>
-          </a:xfrm>
-        </p:spPr>
+        <p:spPr/>
         <p:txBody>
           <a:bodyPr>
-            <a:normAutofit fontScale="92500" lnSpcReduction="20000"/>
+            <a:normAutofit fontScale="92500" lnSpcReduction="10000"/>
           </a:bodyPr>
           <a:lstStyle/>
-          <a:p>
-            <a:endParaRPr lang="en-US" altLang="ko-KR" dirty="0"/>
-          </a:p>
           <a:p>
             <a:r>
               <a:rPr lang="en-US" altLang="ko-KR" dirty="0"/>
               <a:t>(</a:t>
             </a:r>
             <a:r>
-              <a:rPr lang="ko-KR" altLang="en-US" dirty="0" err="1"/>
-              <a:t>성경봉독</a:t>
+              <a:rPr lang="ko-KR" altLang="en-US" dirty="0"/>
+              <a:t>설교</a:t>
             </a:r>
             <a:r>
               <a:rPr lang="en-US" altLang="ko-KR" dirty="0"/>
-              <a:t>)</a:t>
+              <a:t>) </a:t>
             </a:r>
             <a:r>
               <a:rPr lang="ko-KR" altLang="en-US" dirty="0"/>
-              <a:t> 창 </a:t>
-            </a:r>
-            <a:r>
-              <a:rPr lang="en-US" altLang="ko-KR" dirty="0"/>
-              <a:t>21:1-12</a:t>
+              <a:t>시</a:t>
+            </a:r>
+            <a:r>
+              <a:rPr lang="en-US" altLang="ko-KR"/>
+              <a:t>18:1-19</a:t>
             </a:r>
             <a:endParaRPr lang="ko-KR" altLang="en-US" dirty="0"/>
           </a:p>
@@ -12076,7 +12068,7 @@
         <p:spPr/>
         <p:txBody>
           <a:bodyPr>
-            <a:normAutofit fontScale="85000" lnSpcReduction="10000"/>
+            <a:normAutofit fontScale="92500" lnSpcReduction="10000"/>
           </a:bodyPr>
           <a:lstStyle/>
           <a:p>
@@ -12094,8 +12086,13 @@
             </a:r>
             <a:r>
               <a:rPr lang="ko-KR" altLang="en-US" dirty="0"/>
-              <a:t>장 우리들이 싸울 것은 육체 아니요</a:t>
-            </a:r>
+              <a:t>장 우리들이 싸울 </a:t>
+            </a:r>
+            <a:r>
+              <a:rPr lang="ko-KR" altLang="en-US"/>
+              <a:t>것은 육체</a:t>
+            </a:r>
+            <a:endParaRPr lang="ko-KR" altLang="en-US" dirty="0"/>
           </a:p>
         </p:txBody>
       </p:sp>
